--- a/赵炳-答辩报告 [自动保存].pptx
+++ b/赵炳-答辩报告 [自动保存].pptx
@@ -38,7 +38,8 @@
     <p:sldId id="320" r:id="rId32"/>
     <p:sldId id="321" r:id="rId33"/>
     <p:sldId id="322" r:id="rId34"/>
-    <p:sldId id="278" r:id="rId35"/>
+    <p:sldId id="327" r:id="rId35"/>
+    <p:sldId id="278" r:id="rId36"/>
   </p:sldIdLst>
   <p:sldSz cx="12192000" cy="6858000"/>
   <p:notesSz cx="6858000" cy="9144000"/>
@@ -7985,7 +7986,7 @@
         <p:spPr>
           <a:xfrm>
             <a:off x="919863" y="997316"/>
-            <a:ext cx="9441903" cy="2761883"/>
+            <a:ext cx="9441903" cy="2494029"/>
           </a:xfrm>
           <a:prstGeom prst="rect">
             <a:avLst/>
@@ -9837,18 +9838,7 @@
                 <a:ea typeface="微软雅黑"/>
                 <a:cs typeface="+mn-cs"/>
               </a:rPr>
-              <a:t>磁盘存储</a:t>
-            </a:r>
-            <a:r>
-              <a:rPr lang="zh-CN" altLang="en-US" sz="2800" dirty="0" smtClean="0">
-                <a:solidFill>
-                  <a:srgbClr val="000000"/>
-                </a:solidFill>
-                <a:latin typeface="Segoe UI"/>
-                <a:ea typeface="微软雅黑"/>
-                <a:cs typeface="+mn-cs"/>
-              </a:rPr>
-              <a:t>（静态图快照获取）</a:t>
+              <a:t>磁盘存储（静态图快照获取）</a:t>
             </a:r>
             <a:endParaRPr lang="zh-CN" altLang="en-US" sz="2800" dirty="0">
               <a:solidFill>
@@ -13483,18 +13473,7 @@
                 <a:ea typeface="微软雅黑"/>
                 <a:cs typeface="+mn-cs"/>
               </a:rPr>
-              <a:t>磁盘存储</a:t>
-            </a:r>
-            <a:r>
-              <a:rPr lang="zh-CN" altLang="en-US" sz="2800" dirty="0" smtClean="0">
-                <a:solidFill>
-                  <a:srgbClr val="000000"/>
-                </a:solidFill>
-                <a:latin typeface="Segoe UI"/>
-                <a:ea typeface="微软雅黑"/>
-                <a:cs typeface="+mn-cs"/>
-              </a:rPr>
-              <a:t>（静态图快照获取）</a:t>
+              <a:t>磁盘存储（静态图快照获取）</a:t>
             </a:r>
             <a:endParaRPr lang="zh-CN" altLang="en-US" sz="2800" dirty="0">
               <a:solidFill>
@@ -13738,11 +13717,7 @@
             </a:r>
             <a:r>
               <a:rPr kumimoji="1" lang="zh-CN" altLang="en-US" sz="1400" dirty="0" smtClean="0"/>
-              <a:t>分区包含顶点信息和边分区的路由</a:t>
-            </a:r>
-            <a:r>
-              <a:rPr kumimoji="1" lang="zh-CN" altLang="en-US" sz="1400" dirty="0" smtClean="0"/>
-              <a:t>表。</a:t>
+              <a:t>分区包含顶点信息和边分区的路由表。</a:t>
             </a:r>
             <a:endParaRPr kumimoji="1" lang="en-US" altLang="zh-CN" sz="1400" dirty="0" smtClean="0"/>
           </a:p>
@@ -13811,11 +13786,7 @@
             </a:r>
             <a:r>
               <a:rPr kumimoji="1" lang="zh-CN" altLang="en-US" sz="1400" dirty="0" smtClean="0"/>
-              <a:t>分区</a:t>
-            </a:r>
-            <a:r>
-              <a:rPr kumimoji="1" lang="zh-CN" altLang="en-US" sz="1400" dirty="0" smtClean="0"/>
-              <a:t>包含边的信息，以及两端点</a:t>
+              <a:t>分区包含边的信息，以及两端点</a:t>
             </a:r>
             <a:r>
               <a:rPr kumimoji="1" lang="en-US" altLang="zh-CN" sz="1400" dirty="0" smtClean="0"/>
@@ -14233,18 +14204,7 @@
                 <a:ea typeface="微软雅黑"/>
                 <a:cs typeface="+mn-cs"/>
               </a:rPr>
-              <a:t>计算副本存储</a:t>
-            </a:r>
-            <a:r>
-              <a:rPr lang="zh-CN" altLang="en-US" sz="2800" dirty="0" smtClean="0">
-                <a:solidFill>
-                  <a:srgbClr val="000000"/>
-                </a:solidFill>
-                <a:latin typeface="Segoe UI"/>
-                <a:ea typeface="微软雅黑"/>
-                <a:cs typeface="+mn-cs"/>
-              </a:rPr>
-              <a:t>（顶点</a:t>
+              <a:t>计算副本存储（顶点</a:t>
             </a:r>
             <a:r>
               <a:rPr lang="en-US" altLang="zh-CN" sz="2800" dirty="0" smtClean="0">
@@ -17895,7 +17855,7 @@
             <p:spPr>
               <a:xfrm>
                 <a:off x="1460500" y="1816100"/>
-                <a:ext cx="4368800" cy="3539430"/>
+                <a:ext cx="4368800" cy="4616648"/>
               </a:xfrm>
               <a:prstGeom prst="rect">
                 <a:avLst/>
@@ -17919,18 +17879,24 @@
                     <m:sSub>
                       <m:sSubPr>
                         <m:ctrlPr>
-                          <a:rPr lang="zh-CN" altLang="zh-CN" sz="1400" i="1" smtClean="0"/>
+                          <a:rPr lang="zh-CN" altLang="zh-CN" sz="1400" i="1" smtClean="0">
+                            <a:latin typeface="Cambria Math" panose="02040503050406030204" pitchFamily="18" charset="0"/>
+                          </a:rPr>
                         </m:ctrlPr>
                       </m:sSubPr>
                       <m:e>
                         <m:r>
-                          <a:rPr lang="en-US" altLang="zh-CN" sz="1400" i="1"/>
+                          <a:rPr lang="en-US" altLang="zh-CN" sz="1400" i="1">
+                            <a:latin typeface="Cambria Math" panose="02040503050406030204" pitchFamily="18" charset="0"/>
+                          </a:rPr>
                           <m:t>𝐺</m:t>
                         </m:r>
                       </m:e>
                       <m:sub>
                         <m:r>
-                          <a:rPr lang="en-US" altLang="zh-CN" sz="1400"/>
+                          <a:rPr lang="en-US" altLang="zh-CN" sz="1400">
+                            <a:latin typeface="Cambria Math" panose="02040503050406030204" pitchFamily="18" charset="0"/>
+                          </a:rPr>
                           <m:t>1</m:t>
                         </m:r>
                       </m:sub>
@@ -17944,77 +17910,110 @@
                 <a14:m>
                   <m:oMath xmlns:m="http://schemas.openxmlformats.org/officeDocument/2006/math">
                     <m:r>
-                      <a:rPr lang="en-US" altLang="zh-CN" sz="1400"/>
+                      <a:rPr lang="en-US" altLang="zh-CN" sz="1400">
+                        <a:latin typeface="Cambria Math" panose="02040503050406030204" pitchFamily="18" charset="0"/>
+                      </a:rPr>
                       <m:t>{</m:t>
                     </m:r>
                     <m:r>
                       <m:rPr>
                         <m:sty m:val="p"/>
                       </m:rPr>
-                      <a:rPr lang="en-US" altLang="zh-CN" sz="1400"/>
+                      <a:rPr lang="en-US" altLang="zh-CN" sz="1400">
+                        <a:latin typeface="Cambria Math" panose="02040503050406030204" pitchFamily="18" charset="0"/>
+                      </a:rPr>
                       <m:t>A</m:t>
                     </m:r>
                     <m:r>
-                      <a:rPr lang="en-US" altLang="zh-CN" sz="1400"/>
+                      <a:rPr lang="en-US" altLang="zh-CN" sz="1400">
+                        <a:latin typeface="Cambria Math" panose="02040503050406030204" pitchFamily="18" charset="0"/>
+                      </a:rPr>
                       <m:t>,</m:t>
                     </m:r>
                     <m:r>
                       <m:rPr>
                         <m:sty m:val="p"/>
                       </m:rPr>
-                      <a:rPr lang="en-US" altLang="zh-CN" sz="1400"/>
+                      <a:rPr lang="en-US" altLang="zh-CN" sz="1400">
+                        <a:latin typeface="Cambria Math" panose="02040503050406030204" pitchFamily="18" charset="0"/>
+                      </a:rPr>
                       <m:t>B</m:t>
                     </m:r>
                     <m:r>
-                      <a:rPr lang="en-US" altLang="zh-CN" sz="1400"/>
+                      <a:rPr lang="en-US" altLang="zh-CN" sz="1400">
+                        <a:latin typeface="Cambria Math" panose="02040503050406030204" pitchFamily="18" charset="0"/>
+                      </a:rPr>
                       <m:t>,</m:t>
                     </m:r>
                     <m:r>
                       <m:rPr>
                         <m:sty m:val="p"/>
                       </m:rPr>
-                      <a:rPr lang="en-US" altLang="zh-CN" sz="1400"/>
+                      <a:rPr lang="en-US" altLang="zh-CN" sz="1400">
+                        <a:latin typeface="Cambria Math" panose="02040503050406030204" pitchFamily="18" charset="0"/>
+                      </a:rPr>
                       <m:t>C</m:t>
                     </m:r>
                     <m:r>
-                      <a:rPr lang="en-US" altLang="zh-CN" sz="1400"/>
+                      <a:rPr lang="en-US" altLang="zh-CN" sz="1400">
+                        <a:latin typeface="Cambria Math" panose="02040503050406030204" pitchFamily="18" charset="0"/>
+                      </a:rPr>
                       <m:t>,</m:t>
                     </m:r>
                     <m:r>
                       <m:rPr>
                         <m:sty m:val="p"/>
                       </m:rPr>
-                      <a:rPr lang="en-US" altLang="zh-CN" sz="1400"/>
+                      <a:rPr lang="en-US" altLang="zh-CN" sz="1400">
+                        <a:latin typeface="Cambria Math" panose="02040503050406030204" pitchFamily="18" charset="0"/>
+                      </a:rPr>
                       <m:t>D</m:t>
                     </m:r>
                     <m:r>
-                      <a:rPr lang="en-US" altLang="zh-CN" sz="1400"/>
+                      <a:rPr lang="en-US" altLang="zh-CN" sz="1400">
+                        <a:latin typeface="Cambria Math" panose="02040503050406030204" pitchFamily="18" charset="0"/>
+                      </a:rPr>
                       <m:t>,</m:t>
                     </m:r>
                     <m:r>
                       <m:rPr>
                         <m:sty m:val="p"/>
                       </m:rPr>
-                      <a:rPr lang="en-US" altLang="zh-CN" sz="1400"/>
+                      <a:rPr lang="en-US" altLang="zh-CN" sz="1400">
+                        <a:latin typeface="Cambria Math" panose="02040503050406030204" pitchFamily="18" charset="0"/>
+                      </a:rPr>
                       <m:t>E</m:t>
                     </m:r>
                     <m:r>
-                      <a:rPr lang="en-US" altLang="zh-CN" sz="1400"/>
+                      <a:rPr lang="en-US" altLang="zh-CN" sz="1400">
+                        <a:latin typeface="Cambria Math" panose="02040503050406030204" pitchFamily="18" charset="0"/>
+                      </a:rPr>
                       <m:t>,</m:t>
                     </m:r>
                     <m:r>
                       <m:rPr>
                         <m:sty m:val="p"/>
                       </m:rPr>
-                      <a:rPr lang="en-US" altLang="zh-CN" sz="1400"/>
+                      <a:rPr lang="en-US" altLang="zh-CN" sz="1400">
+                        <a:latin typeface="Cambria Math" panose="02040503050406030204" pitchFamily="18" charset="0"/>
+                      </a:rPr>
                       <m:t>F</m:t>
                     </m:r>
                     <m:r>
-                      <a:rPr lang="en-US" altLang="zh-CN" sz="1400"/>
+                      <a:rPr lang="en-US" altLang="zh-CN" sz="1400">
+                        <a:latin typeface="Cambria Math" panose="02040503050406030204" pitchFamily="18" charset="0"/>
+                      </a:rPr>
                       <m:t>}</m:t>
                     </m:r>
                   </m:oMath>
                 </a14:m>
+                <a:endParaRPr lang="en-US" altLang="zh-CN" sz="1400" dirty="0" smtClean="0"/>
+              </a:p>
+              <a:p>
+                <a:pPr marL="285750" indent="-285750">
+                  <a:buFont typeface="Arial" panose="020B0604020202020204" pitchFamily="34" charset="0"/>
+                  <a:buChar char="•"/>
+                </a:pPr>
                 <a:endParaRPr lang="en-US" altLang="zh-CN" sz="1400" dirty="0" smtClean="0"/>
               </a:p>
               <a:p>
@@ -18027,18 +18026,24 @@
                     <m:sSub>
                       <m:sSubPr>
                         <m:ctrlPr>
-                          <a:rPr lang="zh-CN" altLang="zh-CN" sz="1400" i="1"/>
+                          <a:rPr lang="zh-CN" altLang="zh-CN" sz="1400" i="1">
+                            <a:latin typeface="Cambria Math" panose="02040503050406030204" pitchFamily="18" charset="0"/>
+                          </a:rPr>
                         </m:ctrlPr>
                       </m:sSubPr>
                       <m:e>
                         <m:r>
-                          <a:rPr lang="en-US" altLang="zh-CN" sz="1400" i="1"/>
+                          <a:rPr lang="en-US" altLang="zh-CN" sz="1400" i="1">
+                            <a:latin typeface="Cambria Math" panose="02040503050406030204" pitchFamily="18" charset="0"/>
+                          </a:rPr>
                           <m:t>𝐺</m:t>
                         </m:r>
                       </m:e>
                       <m:sub>
                         <m:r>
-                          <a:rPr lang="en-US" altLang="zh-CN" sz="1400"/>
+                          <a:rPr lang="en-US" altLang="zh-CN" sz="1400">
+                            <a:latin typeface="Cambria Math" panose="02040503050406030204" pitchFamily="18" charset="0"/>
+                          </a:rPr>
                           <m:t>2</m:t>
                         </m:r>
                       </m:sub>
@@ -18052,29 +18057,39 @@
                 <a14:m>
                   <m:oMath xmlns:m="http://schemas.openxmlformats.org/officeDocument/2006/math">
                     <m:r>
-                      <a:rPr lang="en-US" altLang="zh-CN" sz="1400"/>
+                      <a:rPr lang="en-US" altLang="zh-CN" sz="1400">
+                        <a:latin typeface="Cambria Math" panose="02040503050406030204" pitchFamily="18" charset="0"/>
+                      </a:rPr>
                       <m:t>{</m:t>
                     </m:r>
                     <m:r>
                       <m:rPr>
                         <m:sty m:val="p"/>
                       </m:rPr>
-                      <a:rPr lang="en-US" altLang="zh-CN" sz="1400"/>
+                      <a:rPr lang="en-US" altLang="zh-CN" sz="1400">
+                        <a:latin typeface="Cambria Math" panose="02040503050406030204" pitchFamily="18" charset="0"/>
+                      </a:rPr>
                       <m:t>G</m:t>
                     </m:r>
                     <m:r>
-                      <a:rPr lang="en-US" altLang="zh-CN" sz="1400"/>
+                      <a:rPr lang="en-US" altLang="zh-CN" sz="1400">
+                        <a:latin typeface="Cambria Math" panose="02040503050406030204" pitchFamily="18" charset="0"/>
+                      </a:rPr>
                       <m:t>,</m:t>
                     </m:r>
                     <m:r>
                       <m:rPr>
                         <m:sty m:val="p"/>
                       </m:rPr>
-                      <a:rPr lang="en-US" altLang="zh-CN" sz="1400"/>
+                      <a:rPr lang="en-US" altLang="zh-CN" sz="1400">
+                        <a:latin typeface="Cambria Math" panose="02040503050406030204" pitchFamily="18" charset="0"/>
+                      </a:rPr>
                       <m:t>H</m:t>
                     </m:r>
                     <m:r>
-                      <a:rPr lang="en-US" altLang="zh-CN" sz="1400"/>
+                      <a:rPr lang="en-US" altLang="zh-CN" sz="1400">
+                        <a:latin typeface="Cambria Math" panose="02040503050406030204" pitchFamily="18" charset="0"/>
+                      </a:rPr>
                       <m:t>}</m:t>
                     </m:r>
                   </m:oMath>
@@ -18086,40 +18101,54 @@
                 <a14:m>
                   <m:oMath xmlns:m="http://schemas.openxmlformats.org/officeDocument/2006/math">
                     <m:r>
-                      <a:rPr lang="en-US" altLang="zh-CN" sz="1400"/>
+                      <a:rPr lang="en-US" altLang="zh-CN" sz="1400">
+                        <a:latin typeface="Cambria Math" panose="02040503050406030204" pitchFamily="18" charset="0"/>
+                      </a:rPr>
                       <m:t>{</m:t>
                     </m:r>
                     <m:r>
                       <m:rPr>
                         <m:sty m:val="p"/>
                       </m:rPr>
-                      <a:rPr lang="en-US" altLang="zh-CN" sz="1400"/>
+                      <a:rPr lang="en-US" altLang="zh-CN" sz="1400">
+                        <a:latin typeface="Cambria Math" panose="02040503050406030204" pitchFamily="18" charset="0"/>
+                      </a:rPr>
                       <m:t>c</m:t>
                     </m:r>
                     <m:r>
-                      <a:rPr lang="en-US" altLang="zh-CN" sz="1400"/>
+                      <a:rPr lang="en-US" altLang="zh-CN" sz="1400">
+                        <a:latin typeface="Cambria Math" panose="02040503050406030204" pitchFamily="18" charset="0"/>
+                      </a:rPr>
                       <m:t>,</m:t>
                     </m:r>
                     <m:r>
                       <m:rPr>
                         <m:sty m:val="p"/>
                       </m:rPr>
-                      <a:rPr lang="en-US" altLang="zh-CN" sz="1400"/>
+                      <a:rPr lang="en-US" altLang="zh-CN" sz="1400">
+                        <a:latin typeface="Cambria Math" panose="02040503050406030204" pitchFamily="18" charset="0"/>
+                      </a:rPr>
                       <m:t>d</m:t>
                     </m:r>
                     <m:r>
-                      <a:rPr lang="en-US" altLang="zh-CN" sz="1400"/>
+                      <a:rPr lang="en-US" altLang="zh-CN" sz="1400">
+                        <a:latin typeface="Cambria Math" panose="02040503050406030204" pitchFamily="18" charset="0"/>
+                      </a:rPr>
                       <m:t>,</m:t>
                     </m:r>
                     <m:r>
                       <m:rPr>
                         <m:sty m:val="p"/>
                       </m:rPr>
-                      <a:rPr lang="en-US" altLang="zh-CN" sz="1400"/>
+                      <a:rPr lang="en-US" altLang="zh-CN" sz="1400">
+                        <a:latin typeface="Cambria Math" panose="02040503050406030204" pitchFamily="18" charset="0"/>
+                      </a:rPr>
                       <m:t>e</m:t>
                     </m:r>
                     <m:r>
-                      <a:rPr lang="en-US" altLang="zh-CN" sz="1400"/>
+                      <a:rPr lang="en-US" altLang="zh-CN" sz="1400">
+                        <a:latin typeface="Cambria Math" panose="02040503050406030204" pitchFamily="18" charset="0"/>
+                      </a:rPr>
                       <m:t>}</m:t>
                     </m:r>
                   </m:oMath>
@@ -18131,18 +18160,24 @@
                 <a14:m>
                   <m:oMath xmlns:m="http://schemas.openxmlformats.org/officeDocument/2006/math">
                     <m:r>
-                      <a:rPr lang="en-US" altLang="zh-CN" sz="1400"/>
+                      <a:rPr lang="en-US" altLang="zh-CN" sz="1400">
+                        <a:latin typeface="Cambria Math" panose="02040503050406030204" pitchFamily="18" charset="0"/>
+                      </a:rPr>
                       <m:t>{</m:t>
                     </m:r>
                     <m:r>
                       <m:rPr>
                         <m:sty m:val="p"/>
                       </m:rPr>
-                      <a:rPr lang="en-US" altLang="zh-CN" sz="1400"/>
+                      <a:rPr lang="en-US" altLang="zh-CN" sz="1400">
+                        <a:latin typeface="Cambria Math" panose="02040503050406030204" pitchFamily="18" charset="0"/>
+                      </a:rPr>
                       <m:t>F</m:t>
                     </m:r>
                     <m:r>
-                      <a:rPr lang="en-US" altLang="zh-CN" sz="1400"/>
+                      <a:rPr lang="en-US" altLang="zh-CN" sz="1400">
+                        <a:latin typeface="Cambria Math" panose="02040503050406030204" pitchFamily="18" charset="0"/>
+                      </a:rPr>
                       <m:t>}</m:t>
                     </m:r>
                   </m:oMath>
@@ -18158,33 +18193,50 @@
                 <a14:m>
                   <m:oMath xmlns:m="http://schemas.openxmlformats.org/officeDocument/2006/math">
                     <m:r>
-                      <a:rPr lang="en-US" altLang="zh-CN" sz="1400"/>
+                      <a:rPr lang="en-US" altLang="zh-CN" sz="1400">
+                        <a:latin typeface="Cambria Math" panose="02040503050406030204" pitchFamily="18" charset="0"/>
+                      </a:rPr>
                       <m:t>{</m:t>
                     </m:r>
                     <m:r>
                       <m:rPr>
                         <m:sty m:val="p"/>
                       </m:rPr>
-                      <a:rPr lang="en-US" altLang="zh-CN" sz="1400"/>
+                      <a:rPr lang="en-US" altLang="zh-CN" sz="1400">
+                        <a:latin typeface="Cambria Math" panose="02040503050406030204" pitchFamily="18" charset="0"/>
+                      </a:rPr>
                       <m:t>a</m:t>
                     </m:r>
                     <m:r>
-                      <a:rPr lang="en-US" altLang="zh-CN" sz="1400"/>
+                      <a:rPr lang="en-US" altLang="zh-CN" sz="1400">
+                        <a:latin typeface="Cambria Math" panose="02040503050406030204" pitchFamily="18" charset="0"/>
+                      </a:rPr>
                       <m:t>,</m:t>
                     </m:r>
                     <m:r>
                       <m:rPr>
                         <m:sty m:val="p"/>
                       </m:rPr>
-                      <a:rPr lang="en-US" altLang="zh-CN" sz="1400"/>
+                      <a:rPr lang="en-US" altLang="zh-CN" sz="1400">
+                        <a:latin typeface="Cambria Math" panose="02040503050406030204" pitchFamily="18" charset="0"/>
+                      </a:rPr>
                       <m:t>b</m:t>
                     </m:r>
                     <m:r>
-                      <a:rPr lang="en-US" altLang="zh-CN" sz="1400"/>
+                      <a:rPr lang="en-US" altLang="zh-CN" sz="1400">
+                        <a:latin typeface="Cambria Math" panose="02040503050406030204" pitchFamily="18" charset="0"/>
+                      </a:rPr>
                       <m:t>}</m:t>
                     </m:r>
                   </m:oMath>
                 </a14:m>
+                <a:endParaRPr lang="en-US" altLang="zh-CN" sz="1400" dirty="0" smtClean="0"/>
+              </a:p>
+              <a:p>
+                <a:pPr marL="285750" indent="-285750">
+                  <a:buFont typeface="Arial" panose="020B0604020202020204" pitchFamily="34" charset="0"/>
+                  <a:buChar char="•"/>
+                </a:pPr>
                 <a:endParaRPr lang="en-US" altLang="zh-CN" sz="1400" dirty="0" smtClean="0"/>
               </a:p>
               <a:p>
@@ -18199,7 +18251,7 @@
                         <m:begChr m:val="{"/>
                         <m:endChr m:val="}"/>
                         <m:ctrlPr>
-                          <a:rPr lang="en-US" altLang="zh-CN" sz="1400">
+                          <a:rPr lang="en-US" altLang="zh-CN" sz="1400" i="1">
                             <a:latin typeface="Cambria Math" panose="02040503050406030204" pitchFamily="18" charset="0"/>
                           </a:rPr>
                         </m:ctrlPr>
@@ -18209,84 +18261,114 @@
                           <m:rPr>
                             <m:sty m:val="p"/>
                           </m:rPr>
-                          <a:rPr lang="en-US" altLang="zh-CN" sz="1400"/>
+                          <a:rPr lang="en-US" altLang="zh-CN" sz="1400">
+                            <a:latin typeface="Cambria Math" panose="02040503050406030204" pitchFamily="18" charset="0"/>
+                          </a:rPr>
                           <m:t>G</m:t>
                         </m:r>
                         <m:r>
-                          <a:rPr lang="en-US" altLang="zh-CN" sz="1400"/>
+                          <a:rPr lang="en-US" altLang="zh-CN" sz="1400">
+                            <a:latin typeface="Cambria Math" panose="02040503050406030204" pitchFamily="18" charset="0"/>
+                          </a:rPr>
                           <m:t>,</m:t>
                         </m:r>
                         <m:r>
                           <m:rPr>
                             <m:sty m:val="p"/>
                           </m:rPr>
-                          <a:rPr lang="en-US" altLang="zh-CN" sz="1400"/>
+                          <a:rPr lang="en-US" altLang="zh-CN" sz="1400">
+                            <a:latin typeface="Cambria Math" panose="02040503050406030204" pitchFamily="18" charset="0"/>
+                          </a:rPr>
                           <m:t>H</m:t>
                         </m:r>
                         <m:r>
-                          <a:rPr lang="en-US" altLang="zh-CN" sz="1400"/>
+                          <a:rPr lang="en-US" altLang="zh-CN" sz="1400">
+                            <a:latin typeface="Cambria Math" panose="02040503050406030204" pitchFamily="18" charset="0"/>
+                          </a:rPr>
                           <m:t>,</m:t>
                         </m:r>
                         <m:r>
                           <m:rPr>
                             <m:sty m:val="p"/>
                           </m:rPr>
-                          <a:rPr lang="en-US" altLang="zh-CN" sz="1400"/>
+                          <a:rPr lang="en-US" altLang="zh-CN" sz="1400">
+                            <a:latin typeface="Cambria Math" panose="02040503050406030204" pitchFamily="18" charset="0"/>
+                          </a:rPr>
                           <m:t>F</m:t>
                         </m:r>
                         <m:r>
-                          <a:rPr lang="en-US" altLang="zh-CN" sz="1400"/>
+                          <a:rPr lang="en-US" altLang="zh-CN" sz="1400">
+                            <a:latin typeface="Cambria Math" panose="02040503050406030204" pitchFamily="18" charset="0"/>
+                          </a:rPr>
                           <m:t>,</m:t>
                         </m:r>
                         <m:r>
                           <m:rPr>
                             <m:sty m:val="p"/>
                           </m:rPr>
-                          <a:rPr lang="en-US" altLang="zh-CN" sz="1400"/>
+                          <a:rPr lang="en-US" altLang="zh-CN" sz="1400">
+                            <a:latin typeface="Cambria Math" panose="02040503050406030204" pitchFamily="18" charset="0"/>
+                          </a:rPr>
                           <m:t>a</m:t>
                         </m:r>
                         <m:r>
-                          <a:rPr lang="en-US" altLang="zh-CN" sz="1400"/>
+                          <a:rPr lang="en-US" altLang="zh-CN" sz="1400">
+                            <a:latin typeface="Cambria Math" panose="02040503050406030204" pitchFamily="18" charset="0"/>
+                          </a:rPr>
                           <m:t>,</m:t>
                         </m:r>
                         <m:r>
                           <m:rPr>
                             <m:sty m:val="p"/>
                           </m:rPr>
-                          <a:rPr lang="en-US" altLang="zh-CN" sz="1400"/>
+                          <a:rPr lang="en-US" altLang="zh-CN" sz="1400">
+                            <a:latin typeface="Cambria Math" panose="02040503050406030204" pitchFamily="18" charset="0"/>
+                          </a:rPr>
                           <m:t>b</m:t>
                         </m:r>
                         <m:r>
-                          <a:rPr lang="en-US" altLang="zh-CN" sz="1400"/>
+                          <a:rPr lang="en-US" altLang="zh-CN" sz="1400">
+                            <a:latin typeface="Cambria Math" panose="02040503050406030204" pitchFamily="18" charset="0"/>
+                          </a:rPr>
                           <m:t>,</m:t>
                         </m:r>
                         <m:r>
                           <m:rPr>
                             <m:sty m:val="p"/>
                           </m:rPr>
-                          <a:rPr lang="en-US" altLang="zh-CN" sz="1400"/>
+                          <a:rPr lang="en-US" altLang="zh-CN" sz="1400">
+                            <a:latin typeface="Cambria Math" panose="02040503050406030204" pitchFamily="18" charset="0"/>
+                          </a:rPr>
                           <m:t>c</m:t>
                         </m:r>
                         <m:r>
-                          <a:rPr lang="en-US" altLang="zh-CN" sz="1400"/>
+                          <a:rPr lang="en-US" altLang="zh-CN" sz="1400">
+                            <a:latin typeface="Cambria Math" panose="02040503050406030204" pitchFamily="18" charset="0"/>
+                          </a:rPr>
                           <m:t>,</m:t>
                         </m:r>
                         <m:r>
                           <m:rPr>
                             <m:sty m:val="p"/>
                           </m:rPr>
-                          <a:rPr lang="en-US" altLang="zh-CN" sz="1400"/>
+                          <a:rPr lang="en-US" altLang="zh-CN" sz="1400">
+                            <a:latin typeface="Cambria Math" panose="02040503050406030204" pitchFamily="18" charset="0"/>
+                          </a:rPr>
                           <m:t>d</m:t>
                         </m:r>
                         <m:r>
-                          <a:rPr lang="en-US" altLang="zh-CN" sz="1400"/>
+                          <a:rPr lang="en-US" altLang="zh-CN" sz="1400">
+                            <a:latin typeface="Cambria Math" panose="02040503050406030204" pitchFamily="18" charset="0"/>
+                          </a:rPr>
                           <m:t>,</m:t>
                         </m:r>
                         <m:r>
                           <m:rPr>
                             <m:sty m:val="p"/>
                           </m:rPr>
-                          <a:rPr lang="en-US" altLang="zh-CN" sz="1400"/>
+                          <a:rPr lang="en-US" altLang="zh-CN" sz="1400">
+                            <a:latin typeface="Cambria Math" panose="02040503050406030204" pitchFamily="18" charset="0"/>
+                          </a:rPr>
                           <m:t>e</m:t>
                         </m:r>
                       </m:e>
@@ -18304,44 +18386,65 @@
                 <a14:m>
                   <m:oMath xmlns:m="http://schemas.openxmlformats.org/officeDocument/2006/math">
                     <m:r>
-                      <a:rPr lang="en-US" altLang="zh-CN" sz="1400"/>
+                      <a:rPr lang="en-US" altLang="zh-CN" sz="1400">
+                        <a:latin typeface="Cambria Math" panose="02040503050406030204" pitchFamily="18" charset="0"/>
+                      </a:rPr>
                       <m:t>{</m:t>
                     </m:r>
                     <m:r>
                       <m:rPr>
                         <m:sty m:val="p"/>
                       </m:rPr>
-                      <a:rPr lang="en-US" altLang="zh-CN" sz="1400"/>
+                      <a:rPr lang="en-US" altLang="zh-CN" sz="1400">
+                        <a:latin typeface="Cambria Math" panose="02040503050406030204" pitchFamily="18" charset="0"/>
+                      </a:rPr>
                       <m:t>A</m:t>
                     </m:r>
                     <m:r>
-                      <a:rPr lang="en-US" altLang="zh-CN" sz="1400"/>
+                      <a:rPr lang="en-US" altLang="zh-CN" sz="1400">
+                        <a:latin typeface="Cambria Math" panose="02040503050406030204" pitchFamily="18" charset="0"/>
+                      </a:rPr>
                       <m:t>,</m:t>
                     </m:r>
                     <m:r>
                       <m:rPr>
                         <m:sty m:val="p"/>
                       </m:rPr>
-                      <a:rPr lang="en-US" altLang="zh-CN" sz="1400"/>
+                      <a:rPr lang="en-US" altLang="zh-CN" sz="1400">
+                        <a:latin typeface="Cambria Math" panose="02040503050406030204" pitchFamily="18" charset="0"/>
+                      </a:rPr>
                       <m:t>B</m:t>
                     </m:r>
                     <m:r>
-                      <a:rPr lang="en-US" altLang="zh-CN" sz="1400"/>
+                      <a:rPr lang="en-US" altLang="zh-CN" sz="1400">
+                        <a:latin typeface="Cambria Math" panose="02040503050406030204" pitchFamily="18" charset="0"/>
+                      </a:rPr>
                       <m:t>,</m:t>
                     </m:r>
                     <m:r>
                       <m:rPr>
                         <m:sty m:val="p"/>
                       </m:rPr>
-                      <a:rPr lang="en-US" altLang="zh-CN" sz="1400"/>
+                      <a:rPr lang="en-US" altLang="zh-CN" sz="1400">
+                        <a:latin typeface="Cambria Math" panose="02040503050406030204" pitchFamily="18" charset="0"/>
+                      </a:rPr>
                       <m:t>D</m:t>
                     </m:r>
                     <m:r>
-                      <a:rPr lang="en-US" altLang="zh-CN" sz="1400"/>
+                      <a:rPr lang="en-US" altLang="zh-CN" sz="1400">
+                        <a:latin typeface="Cambria Math" panose="02040503050406030204" pitchFamily="18" charset="0"/>
+                      </a:rPr>
                       <m:t>}</m:t>
                     </m:r>
                   </m:oMath>
                 </a14:m>
+                <a:endParaRPr lang="en-US" altLang="zh-CN" sz="1400" dirty="0" smtClean="0"/>
+              </a:p>
+              <a:p>
+                <a:pPr marL="285750" indent="-285750">
+                  <a:buFont typeface="Arial" panose="020B0604020202020204" pitchFamily="34" charset="0"/>
+                  <a:buChar char="•"/>
+                </a:pPr>
                 <a:endParaRPr lang="en-US" altLang="zh-CN" sz="1400" dirty="0" smtClean="0"/>
               </a:p>
               <a:p>
@@ -18364,29 +18467,39 @@
                 <a14:m>
                   <m:oMath xmlns:m="http://schemas.openxmlformats.org/officeDocument/2006/math">
                     <m:r>
-                      <a:rPr lang="en-US" altLang="zh-CN" sz="1400"/>
+                      <a:rPr lang="en-US" altLang="zh-CN" sz="1400">
+                        <a:latin typeface="Cambria Math" panose="02040503050406030204" pitchFamily="18" charset="0"/>
+                      </a:rPr>
                       <m:t>{</m:t>
                     </m:r>
                     <m:r>
                       <m:rPr>
                         <m:sty m:val="p"/>
                       </m:rPr>
-                      <a:rPr lang="en-US" altLang="zh-CN" sz="1400"/>
+                      <a:rPr lang="en-US" altLang="zh-CN" sz="1400">
+                        <a:latin typeface="Cambria Math" panose="02040503050406030204" pitchFamily="18" charset="0"/>
+                      </a:rPr>
                       <m:t>a</m:t>
                     </m:r>
                     <m:r>
-                      <a:rPr lang="en-US" altLang="zh-CN" sz="1400"/>
+                      <a:rPr lang="en-US" altLang="zh-CN" sz="1400">
+                        <a:latin typeface="Cambria Math" panose="02040503050406030204" pitchFamily="18" charset="0"/>
+                      </a:rPr>
                       <m:t>,</m:t>
                     </m:r>
                     <m:r>
                       <m:rPr>
                         <m:sty m:val="p"/>
                       </m:rPr>
-                      <a:rPr lang="en-US" altLang="zh-CN" sz="1400"/>
+                      <a:rPr lang="en-US" altLang="zh-CN" sz="1400">
+                        <a:latin typeface="Cambria Math" panose="02040503050406030204" pitchFamily="18" charset="0"/>
+                      </a:rPr>
                       <m:t>b</m:t>
                     </m:r>
                     <m:r>
-                      <a:rPr lang="en-US" altLang="zh-CN" sz="1400"/>
+                      <a:rPr lang="en-US" altLang="zh-CN" sz="1400">
+                        <a:latin typeface="Cambria Math" panose="02040503050406030204" pitchFamily="18" charset="0"/>
+                      </a:rPr>
                       <m:t>}</m:t>
                     </m:r>
                   </m:oMath>
@@ -18398,29 +18511,39 @@
                 <a14:m>
                   <m:oMath xmlns:m="http://schemas.openxmlformats.org/officeDocument/2006/math">
                     <m:r>
-                      <a:rPr lang="en-US" altLang="zh-CN" sz="1400"/>
+                      <a:rPr lang="en-US" altLang="zh-CN" sz="1400">
+                        <a:latin typeface="Cambria Math" panose="02040503050406030204" pitchFamily="18" charset="0"/>
+                      </a:rPr>
                       <m:t>{</m:t>
                     </m:r>
                     <m:r>
                       <m:rPr>
                         <m:sty m:val="p"/>
                       </m:rPr>
-                      <a:rPr lang="en-US" altLang="zh-CN" sz="1400"/>
+                      <a:rPr lang="en-US" altLang="zh-CN" sz="1400">
+                        <a:latin typeface="Cambria Math" panose="02040503050406030204" pitchFamily="18" charset="0"/>
+                      </a:rPr>
                       <m:t>A</m:t>
                     </m:r>
                     <m:r>
-                      <a:rPr lang="en-US" altLang="zh-CN" sz="1400"/>
+                      <a:rPr lang="en-US" altLang="zh-CN" sz="1400">
+                        <a:latin typeface="Cambria Math" panose="02040503050406030204" pitchFamily="18" charset="0"/>
+                      </a:rPr>
                       <m:t>,</m:t>
                     </m:r>
                     <m:r>
                       <m:rPr>
                         <m:sty m:val="p"/>
                       </m:rPr>
-                      <a:rPr lang="en-US" altLang="zh-CN" sz="1400"/>
+                      <a:rPr lang="en-US" altLang="zh-CN" sz="1400">
+                        <a:latin typeface="Cambria Math" panose="02040503050406030204" pitchFamily="18" charset="0"/>
+                      </a:rPr>
                       <m:t>B</m:t>
                     </m:r>
                     <m:r>
-                      <a:rPr lang="en-US" altLang="zh-CN" sz="1400"/>
+                      <a:rPr lang="en-US" altLang="zh-CN" sz="1400">
+                        <a:latin typeface="Cambria Math" panose="02040503050406030204" pitchFamily="18" charset="0"/>
+                      </a:rPr>
                       <m:t>}</m:t>
                     </m:r>
                   </m:oMath>
@@ -18472,29 +18595,39 @@
                 <a14:m>
                   <m:oMath xmlns:m="http://schemas.openxmlformats.org/officeDocument/2006/math">
                     <m:r>
-                      <a:rPr lang="en-US" altLang="zh-CN" sz="1400"/>
+                      <a:rPr lang="en-US" altLang="zh-CN" sz="1400">
+                        <a:latin typeface="Cambria Math" panose="02040503050406030204" pitchFamily="18" charset="0"/>
+                      </a:rPr>
                       <m:t>{</m:t>
                     </m:r>
                     <m:r>
                       <m:rPr>
                         <m:sty m:val="p"/>
                       </m:rPr>
-                      <a:rPr lang="en-US" altLang="zh-CN" sz="1400"/>
+                      <a:rPr lang="en-US" altLang="zh-CN" sz="1400">
+                        <a:latin typeface="Cambria Math" panose="02040503050406030204" pitchFamily="18" charset="0"/>
+                      </a:rPr>
                       <m:t>B</m:t>
                     </m:r>
                     <m:r>
-                      <a:rPr lang="en-US" altLang="zh-CN" sz="1400"/>
+                      <a:rPr lang="en-US" altLang="zh-CN" sz="1400">
+                        <a:latin typeface="Cambria Math" panose="02040503050406030204" pitchFamily="18" charset="0"/>
+                      </a:rPr>
                       <m:t>,</m:t>
                     </m:r>
                     <m:r>
                       <m:rPr>
                         <m:sty m:val="p"/>
                       </m:rPr>
-                      <a:rPr lang="en-US" altLang="zh-CN" sz="1400"/>
+                      <a:rPr lang="en-US" altLang="zh-CN" sz="1400">
+                        <a:latin typeface="Cambria Math" panose="02040503050406030204" pitchFamily="18" charset="0"/>
+                      </a:rPr>
                       <m:t>D</m:t>
                     </m:r>
                     <m:r>
-                      <a:rPr lang="en-US" altLang="zh-CN" sz="1400"/>
+                      <a:rPr lang="en-US" altLang="zh-CN" sz="1400">
+                        <a:latin typeface="Cambria Math" panose="02040503050406030204" pitchFamily="18" charset="0"/>
+                      </a:rPr>
                       <m:t>}</m:t>
                     </m:r>
                   </m:oMath>
@@ -18503,6 +18636,13 @@
                   <a:rPr lang="zh-CN" altLang="zh-CN" sz="1400" dirty="0" smtClean="0"/>
                   <a:t>。</a:t>
                 </a:r>
+                <a:endParaRPr lang="en-US" altLang="zh-CN" sz="1400" dirty="0" smtClean="0"/>
+              </a:p>
+              <a:p>
+                <a:pPr marL="285750" indent="-285750">
+                  <a:buFont typeface="Arial" panose="020B0604020202020204" pitchFamily="34" charset="0"/>
+                  <a:buChar char="•"/>
+                </a:pPr>
                 <a:endParaRPr lang="en-US" altLang="zh-CN" sz="1400" dirty="0" smtClean="0"/>
               </a:p>
               <a:p>
@@ -18552,6 +18692,13 @@
                   <a:buFont typeface="Arial" panose="020B0604020202020204" pitchFamily="34" charset="0"/>
                   <a:buChar char="•"/>
                 </a:pPr>
+                <a:endParaRPr lang="en-US" altLang="zh-CN" sz="1400" dirty="0" smtClean="0"/>
+              </a:p>
+              <a:p>
+                <a:pPr marL="285750" indent="-285750">
+                  <a:buFont typeface="Arial" panose="020B0604020202020204" pitchFamily="34" charset="0"/>
+                  <a:buChar char="•"/>
+                </a:pPr>
                 <a:r>
                   <a:rPr lang="zh-CN" altLang="zh-CN" sz="1400" dirty="0" smtClean="0"/>
                   <a:t>节点</a:t>
@@ -18559,29 +18706,39 @@
                 <a14:m>
                   <m:oMath xmlns:m="http://schemas.openxmlformats.org/officeDocument/2006/math">
                     <m:r>
-                      <a:rPr lang="en-US" altLang="zh-CN" sz="1400"/>
+                      <a:rPr lang="en-US" altLang="zh-CN" sz="1400">
+                        <a:latin typeface="Cambria Math" panose="02040503050406030204" pitchFamily="18" charset="0"/>
+                      </a:rPr>
                       <m:t>{</m:t>
                     </m:r>
                     <m:r>
                       <m:rPr>
                         <m:sty m:val="p"/>
                       </m:rPr>
-                      <a:rPr lang="en-US" altLang="zh-CN" sz="1400"/>
+                      <a:rPr lang="en-US" altLang="zh-CN" sz="1400">
+                        <a:latin typeface="Cambria Math" panose="02040503050406030204" pitchFamily="18" charset="0"/>
+                      </a:rPr>
                       <m:t>G</m:t>
                     </m:r>
                     <m:r>
-                      <a:rPr lang="en-US" altLang="zh-CN" sz="1400"/>
+                      <a:rPr lang="en-US" altLang="zh-CN" sz="1400">
+                        <a:latin typeface="Cambria Math" panose="02040503050406030204" pitchFamily="18" charset="0"/>
+                      </a:rPr>
                       <m:t>,</m:t>
                     </m:r>
                     <m:r>
                       <m:rPr>
                         <m:sty m:val="p"/>
                       </m:rPr>
-                      <a:rPr lang="en-US" altLang="zh-CN" sz="1400"/>
+                      <a:rPr lang="en-US" altLang="zh-CN" sz="1400">
+                        <a:latin typeface="Cambria Math" panose="02040503050406030204" pitchFamily="18" charset="0"/>
+                      </a:rPr>
                       <m:t>F</m:t>
                     </m:r>
                     <m:r>
-                      <a:rPr lang="en-US" altLang="zh-CN" sz="1400"/>
+                      <a:rPr lang="en-US" altLang="zh-CN" sz="1400">
+                        <a:latin typeface="Cambria Math" panose="02040503050406030204" pitchFamily="18" charset="0"/>
+                      </a:rPr>
                       <m:t>}</m:t>
                     </m:r>
                   </m:oMath>
@@ -18593,40 +18750,54 @@
                 <a14:m>
                   <m:oMath xmlns:m="http://schemas.openxmlformats.org/officeDocument/2006/math">
                     <m:r>
-                      <a:rPr lang="en-US" altLang="zh-CN" sz="1400"/>
+                      <a:rPr lang="en-US" altLang="zh-CN" sz="1400">
+                        <a:latin typeface="Cambria Math" panose="02040503050406030204" pitchFamily="18" charset="0"/>
+                      </a:rPr>
                       <m:t>{</m:t>
                     </m:r>
                     <m:r>
                       <m:rPr>
                         <m:sty m:val="p"/>
                       </m:rPr>
-                      <a:rPr lang="en-US" altLang="zh-CN" sz="1400"/>
+                      <a:rPr lang="en-US" altLang="zh-CN" sz="1400">
+                        <a:latin typeface="Cambria Math" panose="02040503050406030204" pitchFamily="18" charset="0"/>
+                      </a:rPr>
                       <m:t>c</m:t>
                     </m:r>
                     <m:r>
-                      <a:rPr lang="en-US" altLang="zh-CN" sz="1400"/>
+                      <a:rPr lang="en-US" altLang="zh-CN" sz="1400">
+                        <a:latin typeface="Cambria Math" panose="02040503050406030204" pitchFamily="18" charset="0"/>
+                      </a:rPr>
                       <m:t>,</m:t>
                     </m:r>
                     <m:r>
                       <m:rPr>
                         <m:sty m:val="p"/>
                       </m:rPr>
-                      <a:rPr lang="en-US" altLang="zh-CN" sz="1400"/>
+                      <a:rPr lang="en-US" altLang="zh-CN" sz="1400">
+                        <a:latin typeface="Cambria Math" panose="02040503050406030204" pitchFamily="18" charset="0"/>
+                      </a:rPr>
                       <m:t>d</m:t>
                     </m:r>
                     <m:r>
-                      <a:rPr lang="en-US" altLang="zh-CN" sz="1400"/>
+                      <a:rPr lang="en-US" altLang="zh-CN" sz="1400">
+                        <a:latin typeface="Cambria Math" panose="02040503050406030204" pitchFamily="18" charset="0"/>
+                      </a:rPr>
                       <m:t>,</m:t>
                     </m:r>
                     <m:r>
                       <m:rPr>
                         <m:sty m:val="p"/>
                       </m:rPr>
-                      <a:rPr lang="en-US" altLang="zh-CN" sz="1400"/>
+                      <a:rPr lang="en-US" altLang="zh-CN" sz="1400">
+                        <a:latin typeface="Cambria Math" panose="02040503050406030204" pitchFamily="18" charset="0"/>
+                      </a:rPr>
                       <m:t>e</m:t>
                     </m:r>
                     <m:r>
-                      <a:rPr lang="en-US" altLang="zh-CN" sz="1400"/>
+                      <a:rPr lang="en-US" altLang="zh-CN" sz="1400">
+                        <a:latin typeface="Cambria Math" panose="02040503050406030204" pitchFamily="18" charset="0"/>
+                      </a:rPr>
                       <m:t>}</m:t>
                     </m:r>
                   </m:oMath>
@@ -18638,29 +18809,39 @@
                 <a14:m>
                   <m:oMath xmlns:m="http://schemas.openxmlformats.org/officeDocument/2006/math">
                     <m:r>
-                      <a:rPr lang="en-US" altLang="zh-CN" sz="1400"/>
+                      <a:rPr lang="en-US" altLang="zh-CN" sz="1400">
+                        <a:latin typeface="Cambria Math" panose="02040503050406030204" pitchFamily="18" charset="0"/>
+                      </a:rPr>
                       <m:t>{</m:t>
                     </m:r>
                     <m:r>
                       <m:rPr>
                         <m:sty m:val="p"/>
                       </m:rPr>
-                      <a:rPr lang="en-US" altLang="zh-CN" sz="1400"/>
+                      <a:rPr lang="en-US" altLang="zh-CN" sz="1400">
+                        <a:latin typeface="Cambria Math" panose="02040503050406030204" pitchFamily="18" charset="0"/>
+                      </a:rPr>
                       <m:t>B</m:t>
                     </m:r>
                     <m:r>
-                      <a:rPr lang="en-US" altLang="zh-CN" sz="1400"/>
+                      <a:rPr lang="en-US" altLang="zh-CN" sz="1400">
+                        <a:latin typeface="Cambria Math" panose="02040503050406030204" pitchFamily="18" charset="0"/>
+                      </a:rPr>
                       <m:t>,</m:t>
                     </m:r>
                     <m:r>
                       <m:rPr>
                         <m:sty m:val="p"/>
                       </m:rPr>
-                      <a:rPr lang="en-US" altLang="zh-CN" sz="1400"/>
+                      <a:rPr lang="en-US" altLang="zh-CN" sz="1400">
+                        <a:latin typeface="Cambria Math" panose="02040503050406030204" pitchFamily="18" charset="0"/>
+                      </a:rPr>
                       <m:t>D</m:t>
                     </m:r>
                     <m:r>
-                      <a:rPr lang="en-US" altLang="zh-CN" sz="1400"/>
+                      <a:rPr lang="en-US" altLang="zh-CN" sz="1400">
+                        <a:latin typeface="Cambria Math" panose="02040503050406030204" pitchFamily="18" charset="0"/>
+                      </a:rPr>
                       <m:t>}</m:t>
                     </m:r>
                   </m:oMath>
@@ -18733,7 +18914,7 @@
             <p:spPr>
               <a:xfrm>
                 <a:off x="1460500" y="1816100"/>
-                <a:ext cx="4368800" cy="3539430"/>
+                <a:ext cx="4368800" cy="4616648"/>
               </a:xfrm>
               <a:prstGeom prst="rect">
                 <a:avLst/>
@@ -19457,7 +19638,7 @@
         </p:nvSpPr>
         <p:spPr>
           <a:xfrm>
-            <a:off x="1003300" y="4037568"/>
+            <a:off x="1003300" y="4591566"/>
             <a:ext cx="3022600" cy="369332"/>
           </a:xfrm>
           <a:prstGeom prst="rect">
@@ -19499,7 +19680,7 @@
         </p:nvSpPr>
         <p:spPr>
           <a:xfrm>
-            <a:off x="1104900" y="4406900"/>
+            <a:off x="1104900" y="4960898"/>
             <a:ext cx="9499600" cy="738664"/>
           </a:xfrm>
           <a:prstGeom prst="rect">
@@ -19547,7 +19728,6 @@
               <a:rPr lang="zh-CN" altLang="en-US" sz="1400" dirty="0"/>
               <a:t>准确度</a:t>
             </a:r>
-            <a:endParaRPr lang="zh-CN" altLang="en-US" sz="1400" dirty="0"/>
           </a:p>
         </p:txBody>
       </p:sp>
@@ -19696,14 +19876,14 @@
           <p:nvPr>
             <p:extLst>
               <p:ext uri="{D42A27DB-BD31-4B8C-83A1-F6EECF244321}">
-                <p14:modId xmlns:p14="http://schemas.microsoft.com/office/powerpoint/2010/main" val="1849232021"/>
+                <p14:modId xmlns:p14="http://schemas.microsoft.com/office/powerpoint/2010/main" val="2188400335"/>
               </p:ext>
             </p:extLst>
           </p:nvPr>
         </p:nvGraphicFramePr>
         <p:xfrm>
-          <a:off x="1219200" y="2220036"/>
-          <a:ext cx="7150100" cy="1626635"/>
+          <a:off x="1219198" y="2220036"/>
+          <a:ext cx="8714510" cy="2186865"/>
         </p:xfrm>
         <a:graphic>
           <a:graphicData uri="http://schemas.openxmlformats.org/drawingml/2006/table">
@@ -19712,28 +19892,28 @@
                 <a:tableStyleId>{5C22544A-7EE6-4342-B048-85BDC9FD1C3A}</a:tableStyleId>
               </a:tblPr>
               <a:tblGrid>
-                <a:gridCol w="1787094">
+                <a:gridCol w="2178102">
                   <a:extLst>
                     <a:ext uri="{9D8B030D-6E8A-4147-A177-3AD203B41FA5}">
                       <a16:colId xmlns:a16="http://schemas.microsoft.com/office/drawing/2014/main" val="2772691253"/>
                     </a:ext>
                   </a:extLst>
                 </a:gridCol>
-                <a:gridCol w="1787094">
+                <a:gridCol w="2178102">
                   <a:extLst>
                     <a:ext uri="{9D8B030D-6E8A-4147-A177-3AD203B41FA5}">
                       <a16:colId xmlns:a16="http://schemas.microsoft.com/office/drawing/2014/main" val="3211520111"/>
                     </a:ext>
                   </a:extLst>
                 </a:gridCol>
-                <a:gridCol w="1787956">
+                <a:gridCol w="2179153">
                   <a:extLst>
                     <a:ext uri="{9D8B030D-6E8A-4147-A177-3AD203B41FA5}">
                       <a16:colId xmlns:a16="http://schemas.microsoft.com/office/drawing/2014/main" val="609411042"/>
                     </a:ext>
                   </a:extLst>
                 </a:gridCol>
-                <a:gridCol w="1787956">
+                <a:gridCol w="2179153">
                   <a:extLst>
                     <a:ext uri="{9D8B030D-6E8A-4147-A177-3AD203B41FA5}">
                       <a16:colId xmlns:a16="http://schemas.microsoft.com/office/drawing/2014/main" val="3200839168"/>
@@ -19741,7 +19921,7 @@
                   </a:extLst>
                 </a:gridCol>
               </a:tblGrid>
-              <a:tr h="325327">
+              <a:tr h="437373">
                 <a:tc>
                   <a:txBody>
                     <a:bodyPr/>
@@ -19864,7 +20044,7 @@
                   </a:ext>
                 </a:extLst>
               </a:tr>
-              <a:tr h="325327">
+              <a:tr h="437373">
                 <a:tc>
                   <a:txBody>
                     <a:bodyPr/>
@@ -19937,12 +20117,18 @@
                         </a:spcAft>
                       </a:pPr>
                       <a:r>
-                        <a:rPr lang="en-US" sz="1000" kern="0">
+                        <a:rPr lang="en-US" sz="1000" kern="0" dirty="0">
                           <a:effectLst/>
                         </a:rPr>
-                        <a:t>   7715</a:t>
+                        <a:t>   </a:t>
                       </a:r>
-                      <a:endParaRPr lang="zh-CN" sz="1050" kern="100">
+                      <a:r>
+                        <a:rPr lang="en-US" sz="1000" kern="0" dirty="0" smtClean="0">
+                          <a:effectLst/>
+                        </a:rPr>
+                        <a:t>    7715</a:t>
+                      </a:r>
+                      <a:endParaRPr lang="zh-CN" sz="1050" kern="100" dirty="0">
                         <a:effectLst/>
                         <a:latin typeface="Calibri" panose="020F0502020204030204" pitchFamily="34" charset="0"/>
                         <a:ea typeface="宋体" panose="02010600030101010101" pitchFamily="2" charset="-122"/>
@@ -19987,7 +20173,7 @@
                   </a:ext>
                 </a:extLst>
               </a:tr>
-              <a:tr h="325327">
+              <a:tr h="437373">
                 <a:tc>
                   <a:txBody>
                     <a:bodyPr/>
@@ -20110,7 +20296,7 @@
                   </a:ext>
                 </a:extLst>
               </a:tr>
-              <a:tr h="325327">
+              <a:tr h="437373">
                 <a:tc>
                   <a:txBody>
                     <a:bodyPr/>
@@ -20233,7 +20419,7 @@
                   </a:ext>
                 </a:extLst>
               </a:tr>
-              <a:tr h="325327">
+              <a:tr h="437373">
                 <a:tc>
                   <a:txBody>
                     <a:bodyPr/>
@@ -20705,7 +20891,7 @@
         <p:spPr>
           <a:xfrm>
             <a:off x="8915400" y="1351669"/>
-            <a:ext cx="2971799" cy="738664"/>
+            <a:ext cx="2971799" cy="523220"/>
           </a:xfrm>
           <a:prstGeom prst="rect">
             <a:avLst/>
@@ -20723,20 +20909,12 @@
               <a:buAutoNum type="arabicPeriod"/>
             </a:pPr>
             <a:r>
-              <a:rPr lang="zh-CN" altLang="en-US" sz="1400" dirty="0" smtClean="0"/>
-              <a:t>初始</a:t>
-            </a:r>
-            <a:r>
               <a:rPr lang="en-US" altLang="zh-CN" sz="1400" dirty="0" smtClean="0"/>
-              <a:t>50%</a:t>
-            </a:r>
-            <a:r>
-              <a:rPr lang="zh-CN" altLang="en-US" sz="1400" dirty="0" smtClean="0"/>
-              <a:t>的节点，每次</a:t>
+              <a:t>12</a:t>
             </a:r>
             <a:r>
               <a:rPr lang="en-US" altLang="zh-CN" sz="1400" dirty="0" smtClean="0"/>
-              <a:t>12%</a:t>
+              <a:t>%</a:t>
             </a:r>
             <a:r>
               <a:rPr lang="zh-CN" altLang="en-US" sz="1400" dirty="0" smtClean="0"/>
@@ -21100,11 +21278,6 @@
               </a:rPr>
               <a:t>实验说明</a:t>
             </a:r>
-            <a:endParaRPr lang="zh-CN" altLang="en-US" dirty="0">
-              <a:solidFill>
-                <a:schemeClr val="accent2"/>
-              </a:solidFill>
-            </a:endParaRPr>
           </a:p>
         </p:txBody>
       </p:sp>
@@ -21813,11 +21986,6 @@
               </a:rPr>
               <a:t>实验说明</a:t>
             </a:r>
-            <a:endParaRPr lang="zh-CN" altLang="en-US" dirty="0">
-              <a:solidFill>
-                <a:schemeClr val="accent2"/>
-              </a:solidFill>
-            </a:endParaRPr>
           </a:p>
         </p:txBody>
       </p:sp>
@@ -22415,11 +22583,7 @@
             </a:r>
             <a:r>
               <a:rPr kumimoji="1" lang="zh-CN" altLang="en-US" dirty="0" smtClean="0"/>
-              <a:t> </a:t>
-            </a:r>
-            <a:r>
-              <a:rPr kumimoji="1" lang="zh-CN" altLang="en-US" dirty="0" smtClean="0"/>
-              <a:t>主要结论</a:t>
+              <a:t> 主要结论</a:t>
             </a:r>
             <a:endParaRPr kumimoji="1" lang="zh-CN" altLang="en-US" dirty="0"/>
           </a:p>
@@ -22563,38 +22727,6 @@
               </a:rPr>
               <a:t>总结</a:t>
             </a:r>
-            <a:endParaRPr lang="zh-CN" altLang="en-US" sz="6600" b="1" kern="0" dirty="0" smtClean="0">
-              <a:gradFill flip="none" rotWithShape="1">
-                <a:gsLst>
-                  <a:gs pos="0">
-                    <a:srgbClr val="515151">
-                      <a:lumMod val="89000"/>
-                    </a:srgbClr>
-                  </a:gs>
-                  <a:gs pos="23000">
-                    <a:srgbClr val="515151">
-                      <a:lumMod val="89000"/>
-                    </a:srgbClr>
-                  </a:gs>
-                  <a:gs pos="69000">
-                    <a:srgbClr val="515151">
-                      <a:lumMod val="75000"/>
-                    </a:srgbClr>
-                  </a:gs>
-                  <a:gs pos="97000">
-                    <a:srgbClr val="515151">
-                      <a:lumMod val="70000"/>
-                    </a:srgbClr>
-                  </a:gs>
-                </a:gsLst>
-                <a:path path="circle">
-                  <a:fillToRect l="50000" t="50000" r="50000" b="50000"/>
-                </a:path>
-                <a:tileRect/>
-              </a:gradFill>
-              <a:latin typeface="Segoe UI"/>
-              <a:ea typeface="微软雅黑"/>
-            </a:endParaRPr>
           </a:p>
         </p:txBody>
       </p:sp>
@@ -22900,19 +23032,7 @@
                 <a:latin typeface="Segoe UI"/>
                 <a:ea typeface="微软雅黑"/>
               </a:rPr>
-              <a:t>式</a:t>
-            </a:r>
-            <a:r>
-              <a:rPr lang="zh-CN" altLang="en-US" dirty="0" smtClean="0">
-                <a:solidFill>
-                  <a:schemeClr val="accent2">
-                    <a:lumMod val="75000"/>
-                  </a:schemeClr>
-                </a:solidFill>
-                <a:latin typeface="Segoe UI"/>
-                <a:ea typeface="微软雅黑"/>
-              </a:rPr>
-              <a:t>算法可以提高执行效率</a:t>
+              <a:t>式算法可以提高执行效率</a:t>
             </a:r>
             <a:endParaRPr lang="zh-CN" altLang="en-US" dirty="0">
               <a:solidFill>
@@ -22934,8 +23054,8 @@
         </p:nvSpPr>
         <p:spPr>
           <a:xfrm>
-            <a:off x="1137421" y="2039830"/>
-            <a:ext cx="2945629" cy="932563"/>
+            <a:off x="1088594" y="2098196"/>
+            <a:ext cx="2945629" cy="1021433"/>
           </a:xfrm>
           <a:prstGeom prst="rect">
             <a:avLst/>
@@ -22953,48 +23073,48 @@
               </a:lnSpc>
             </a:pPr>
             <a:r>
-              <a:rPr lang="zh-CN" altLang="en-US" sz="1400" dirty="0">
+              <a:rPr lang="zh-CN" altLang="en-US" sz="1600" dirty="0">
                 <a:latin typeface="微软雅黑" charset="0"/>
                 <a:ea typeface="微软雅黑" charset="0"/>
               </a:rPr>
               <a:t>不论</a:t>
             </a:r>
             <a:r>
-              <a:rPr lang="zh-CN" altLang="en-US" sz="1400" dirty="0" smtClean="0">
+              <a:rPr lang="zh-CN" altLang="en-US" sz="1600" dirty="0" smtClean="0">
                 <a:latin typeface="微软雅黑" charset="0"/>
                 <a:ea typeface="微软雅黑" charset="0"/>
               </a:rPr>
               <a:t>是</a:t>
             </a:r>
             <a:r>
-              <a:rPr lang="en-US" altLang="zh-CN" sz="1400" dirty="0" smtClean="0">
+              <a:rPr lang="en-US" altLang="zh-CN" sz="1600" dirty="0" smtClean="0">
                 <a:latin typeface="微软雅黑" charset="0"/>
                 <a:ea typeface="微软雅黑" charset="0"/>
               </a:rPr>
               <a:t>PageRank</a:t>
             </a:r>
             <a:r>
-              <a:rPr lang="zh-CN" altLang="en-US" sz="1400" dirty="0" smtClean="0">
+              <a:rPr lang="zh-CN" altLang="en-US" sz="1600" dirty="0" smtClean="0">
                 <a:latin typeface="微软雅黑" charset="0"/>
                 <a:ea typeface="微软雅黑" charset="0"/>
               </a:rPr>
               <a:t>的动态式算法还是</a:t>
             </a:r>
             <a:r>
-              <a:rPr lang="en-US" altLang="zh-CN" sz="1400" dirty="0" err="1" smtClean="0">
+              <a:rPr lang="en-US" altLang="zh-CN" sz="1600" dirty="0" err="1" smtClean="0">
                 <a:latin typeface="微软雅黑" charset="0"/>
                 <a:ea typeface="微软雅黑" charset="0"/>
               </a:rPr>
               <a:t>ShortestPath</a:t>
             </a:r>
             <a:r>
-              <a:rPr lang="zh-CN" altLang="en-US" sz="1400" dirty="0" smtClean="0">
+              <a:rPr lang="zh-CN" altLang="en-US" sz="1600" dirty="0" smtClean="0">
                 <a:latin typeface="微软雅黑" charset="0"/>
                 <a:ea typeface="微软雅黑" charset="0"/>
               </a:rPr>
               <a:t>算法，使用动态式算法都可以提升效率。</a:t>
             </a:r>
-            <a:endParaRPr lang="en-US" altLang="zh-CN" sz="1400" dirty="0" smtClean="0">
+            <a:endParaRPr lang="en-US" altLang="zh-CN" sz="1600" dirty="0" smtClean="0">
               <a:latin typeface="微软雅黑" charset="0"/>
               <a:ea typeface="微软雅黑" charset="0"/>
             </a:endParaRPr>
@@ -23269,7 +23389,7 @@
         <p:spPr>
           <a:xfrm>
             <a:off x="1137421" y="4389354"/>
-            <a:ext cx="2945629" cy="1492716"/>
+            <a:ext cx="2945629" cy="1981696"/>
           </a:xfrm>
           <a:prstGeom prst="rect">
             <a:avLst/>
@@ -23287,13 +23407,13 @@
               </a:lnSpc>
             </a:pPr>
             <a:r>
-              <a:rPr lang="zh-CN" altLang="en-US" sz="1400" dirty="0" smtClean="0">
+              <a:rPr lang="zh-CN" altLang="en-US" sz="1600" dirty="0" smtClean="0">
                 <a:latin typeface="微软雅黑" charset="0"/>
                 <a:ea typeface="微软雅黑" charset="0"/>
               </a:rPr>
               <a:t>不同的算法提升效果不一样，对于迭代式算法来说，使用增量式计算可以减少迭代次数，加速收敛。</a:t>
             </a:r>
-            <a:endParaRPr lang="en-US" altLang="zh-CN" sz="1400" dirty="0" smtClean="0">
+            <a:endParaRPr lang="en-US" altLang="zh-CN" sz="1600" dirty="0" smtClean="0">
               <a:latin typeface="微软雅黑" charset="0"/>
               <a:ea typeface="微软雅黑" charset="0"/>
             </a:endParaRPr>
@@ -23305,20 +23425,20 @@
               </a:lnSpc>
             </a:pPr>
             <a:r>
-              <a:rPr lang="zh-CN" altLang="en-US" sz="1400" dirty="0">
+              <a:rPr lang="zh-CN" altLang="en-US" sz="1600" dirty="0">
                 <a:latin typeface="微软雅黑" charset="0"/>
                 <a:ea typeface="微软雅黑" charset="0"/>
               </a:rPr>
               <a:t>对于</a:t>
             </a:r>
             <a:r>
-              <a:rPr lang="zh-CN" altLang="en-US" sz="1400" dirty="0" smtClean="0">
+              <a:rPr lang="zh-CN" altLang="en-US" sz="1600" dirty="0" smtClean="0">
                 <a:latin typeface="微软雅黑" charset="0"/>
                 <a:ea typeface="微软雅黑" charset="0"/>
               </a:rPr>
               <a:t>非迭代式算法来说，只是减少了计算量。</a:t>
             </a:r>
-            <a:endParaRPr lang="zh-CN" altLang="en-US" sz="1400" dirty="0">
+            <a:endParaRPr lang="zh-CN" altLang="en-US" sz="1600" dirty="0">
               <a:latin typeface="微软雅黑" charset="0"/>
               <a:ea typeface="微软雅黑" charset="0"/>
             </a:endParaRPr>
@@ -23650,7 +23770,7 @@
         <p:spPr>
           <a:xfrm>
             <a:off x="8392055" y="2039830"/>
-            <a:ext cx="2945629" cy="1772793"/>
+            <a:ext cx="2945629" cy="2973122"/>
           </a:xfrm>
           <a:prstGeom prst="rect">
             <a:avLst/>
@@ -23668,27 +23788,27 @@
               </a:lnSpc>
             </a:pPr>
             <a:r>
-              <a:rPr lang="zh-CN" altLang="en-US" sz="1400" dirty="0" smtClean="0">
+              <a:rPr lang="zh-CN" altLang="en-US" sz="1600" dirty="0" smtClean="0">
                 <a:latin typeface="微软雅黑" charset="0"/>
                 <a:ea typeface="微软雅黑" charset="0"/>
               </a:rPr>
               <a:t>迭代式算法会影响到结果的准确率，因为在迭代式算法里大都采用了衰减传播的思想，例如</a:t>
             </a:r>
             <a:r>
-              <a:rPr lang="en-US" altLang="zh-CN" sz="1400" dirty="0" smtClean="0">
+              <a:rPr lang="en-US" altLang="zh-CN" sz="1600" dirty="0" smtClean="0">
                 <a:latin typeface="微软雅黑" charset="0"/>
                 <a:ea typeface="微软雅黑" charset="0"/>
               </a:rPr>
               <a:t>PageRank</a:t>
             </a:r>
             <a:r>
-              <a:rPr lang="zh-CN" altLang="en-US" sz="1400" dirty="0" smtClean="0">
+              <a:rPr lang="zh-CN" altLang="en-US" sz="1600" dirty="0" smtClean="0">
                 <a:latin typeface="微软雅黑" charset="0"/>
                 <a:ea typeface="微软雅黑" charset="0"/>
               </a:rPr>
               <a:t>。</a:t>
             </a:r>
-            <a:endParaRPr lang="en-US" altLang="zh-CN" sz="1400" dirty="0" smtClean="0">
+            <a:endParaRPr lang="en-US" altLang="zh-CN" sz="1600" dirty="0" smtClean="0">
               <a:latin typeface="微软雅黑" charset="0"/>
               <a:ea typeface="微软雅黑" charset="0"/>
             </a:endParaRPr>
@@ -23699,38 +23819,45 @@
                 <a:spcPct val="130000"/>
               </a:lnSpc>
             </a:pPr>
-            <a:r>
-              <a:rPr lang="zh-CN" altLang="en-US" sz="1400" dirty="0">
+            <a:endParaRPr lang="en-US" altLang="zh-CN" sz="1600" dirty="0" smtClean="0">
+              <a:latin typeface="微软雅黑" charset="0"/>
+              <a:ea typeface="微软雅黑" charset="0"/>
+            </a:endParaRPr>
+          </a:p>
+          <a:p>
+            <a:pPr>
+              <a:lnSpc>
+                <a:spcPct val="130000"/>
+              </a:lnSpc>
+            </a:pPr>
+            <a:r>
+              <a:rPr lang="zh-CN" altLang="en-US" sz="1600" dirty="0">
                 <a:latin typeface="微软雅黑" charset="0"/>
                 <a:ea typeface="微软雅黑" charset="0"/>
               </a:rPr>
               <a:t>非</a:t>
             </a:r>
             <a:r>
-              <a:rPr lang="zh-CN" altLang="en-US" sz="1400" dirty="0" smtClean="0">
+              <a:rPr lang="zh-CN" altLang="en-US" sz="1600" dirty="0" smtClean="0">
                 <a:latin typeface="微软雅黑" charset="0"/>
                 <a:ea typeface="微软雅黑" charset="0"/>
               </a:rPr>
               <a:t>迭代式算法则不会有准确率方面的损失，因为非迭代式算法的结果是一定的，例如</a:t>
             </a:r>
             <a:r>
-              <a:rPr lang="en-US" altLang="zh-CN" sz="1400" dirty="0" err="1" smtClean="0">
+              <a:rPr lang="en-US" altLang="zh-CN" sz="1600" dirty="0" err="1" smtClean="0">
                 <a:latin typeface="微软雅黑" charset="0"/>
                 <a:ea typeface="微软雅黑" charset="0"/>
               </a:rPr>
               <a:t>ShortestPath</a:t>
             </a:r>
             <a:r>
-              <a:rPr lang="zh-CN" altLang="en-US" sz="1400" dirty="0">
+              <a:rPr lang="zh-CN" altLang="en-US" sz="1600" dirty="0">
                 <a:latin typeface="微软雅黑" charset="0"/>
                 <a:ea typeface="微软雅黑" charset="0"/>
               </a:rPr>
               <a:t>。</a:t>
             </a:r>
-            <a:endParaRPr lang="zh-CN" altLang="en-US" sz="1400" dirty="0">
-              <a:latin typeface="微软雅黑" charset="0"/>
-              <a:ea typeface="微软雅黑" charset="0"/>
-            </a:endParaRPr>
           </a:p>
         </p:txBody>
       </p:sp>
@@ -23847,7 +23974,6 @@
               <a:rPr kumimoji="1" lang="zh-CN" altLang="en-US" dirty="0"/>
               <a:t>系统展示</a:t>
             </a:r>
-            <a:endParaRPr kumimoji="1" lang="zh-CN" altLang="en-US" dirty="0"/>
           </a:p>
         </p:txBody>
       </p:sp>
@@ -23989,7 +24115,6 @@
               <a:rPr lang="zh-CN" altLang="en-US" dirty="0"/>
               <a:t>展示</a:t>
             </a:r>
-            <a:endParaRPr lang="zh-CN" altLang="en-US" dirty="0"/>
           </a:p>
         </p:txBody>
       </p:sp>
@@ -25204,6 +25329,397 @@
           <a:chExt cx="0" cy="0"/>
         </a:xfrm>
       </p:grpSpPr>
+      <p:pic>
+        <p:nvPicPr>
+          <p:cNvPr id="3" name="图片 2"/>
+          <p:cNvPicPr>
+            <a:picLocks noChangeAspect="1"/>
+          </p:cNvPicPr>
+          <p:nvPr/>
+        </p:nvPicPr>
+        <p:blipFill>
+          <a:blip r:embed="rId2">
+            <a:extLst>
+              <a:ext uri="{28A0092B-C50C-407E-A947-70E740481C1C}">
+                <a14:useLocalDpi xmlns:a14="http://schemas.microsoft.com/office/drawing/2010/main" val="0"/>
+              </a:ext>
+            </a:extLst>
+          </a:blip>
+          <a:stretch>
+            <a:fillRect/>
+          </a:stretch>
+        </p:blipFill>
+        <p:spPr>
+          <a:xfrm>
+            <a:off x="1155122" y="1156853"/>
+            <a:ext cx="3957205" cy="5292438"/>
+          </a:xfrm>
+          <a:prstGeom prst="rect">
+            <a:avLst/>
+          </a:prstGeom>
+        </p:spPr>
+      </p:pic>
+      <p:pic>
+        <p:nvPicPr>
+          <p:cNvPr id="4" name="图片 3"/>
+          <p:cNvPicPr>
+            <a:picLocks noChangeAspect="1"/>
+          </p:cNvPicPr>
+          <p:nvPr/>
+        </p:nvPicPr>
+        <p:blipFill>
+          <a:blip r:embed="rId3">
+            <a:extLst>
+              <a:ext uri="{28A0092B-C50C-407E-A947-70E740481C1C}">
+                <a14:useLocalDpi xmlns:a14="http://schemas.microsoft.com/office/drawing/2010/main" val="0"/>
+              </a:ext>
+            </a:extLst>
+          </a:blip>
+          <a:stretch>
+            <a:fillRect/>
+          </a:stretch>
+        </p:blipFill>
+        <p:spPr>
+          <a:xfrm rot="10800000">
+            <a:off x="5741551" y="2819400"/>
+            <a:ext cx="4862948" cy="3629892"/>
+          </a:xfrm>
+          <a:prstGeom prst="rect">
+            <a:avLst/>
+          </a:prstGeom>
+        </p:spPr>
+      </p:pic>
+      <p:sp>
+        <p:nvSpPr>
+          <p:cNvPr id="5" name="文本占位符 1"/>
+          <p:cNvSpPr txBox="1">
+            <a:spLocks/>
+          </p:cNvSpPr>
+          <p:nvPr/>
+        </p:nvSpPr>
+        <p:spPr>
+          <a:xfrm>
+            <a:off x="2298700" y="220133"/>
+            <a:ext cx="8305799" cy="389467"/>
+          </a:xfrm>
+          <a:prstGeom prst="rect">
+            <a:avLst/>
+          </a:prstGeom>
+          <a:ln w="12700" cmpd="sng">
+            <a:noFill/>
+          </a:ln>
+        </p:spPr>
+        <p:txBody>
+          <a:bodyPr vert="horz" anchor="ctr"/>
+          <a:lstStyle>
+            <a:lvl1pPr marL="0" indent="0" algn="r" defTabSz="914400" rtl="0" eaLnBrk="1" latinLnBrk="0" hangingPunct="1">
+              <a:lnSpc>
+                <a:spcPct val="90000"/>
+              </a:lnSpc>
+              <a:spcBef>
+                <a:spcPts val="1000"/>
+              </a:spcBef>
+              <a:buFont typeface="Arial" panose="020B0604020202020204" pitchFamily="34" charset="0"/>
+              <a:buNone/>
+              <a:defRPr sz="1400" b="1" kern="1200">
+                <a:solidFill>
+                  <a:schemeClr val="tx1"/>
+                </a:solidFill>
+                <a:latin typeface="Microsoft YaHei" charset="0"/>
+                <a:ea typeface="Microsoft YaHei" charset="0"/>
+                <a:cs typeface="Microsoft YaHei" charset="0"/>
+              </a:defRPr>
+            </a:lvl1pPr>
+            <a:lvl2pPr marL="685800" indent="-228600" algn="l" defTabSz="914400" rtl="0" eaLnBrk="1" latinLnBrk="0" hangingPunct="1">
+              <a:lnSpc>
+                <a:spcPct val="90000"/>
+              </a:lnSpc>
+              <a:spcBef>
+                <a:spcPts val="500"/>
+              </a:spcBef>
+              <a:buFont typeface="Arial" panose="020B0604020202020204" pitchFamily="34" charset="0"/>
+              <a:buChar char="•"/>
+              <a:defRPr sz="2400" kern="1200">
+                <a:solidFill>
+                  <a:schemeClr val="tx1"/>
+                </a:solidFill>
+                <a:latin typeface="+mn-lt"/>
+                <a:ea typeface="+mn-ea"/>
+                <a:cs typeface="+mn-cs"/>
+              </a:defRPr>
+            </a:lvl2pPr>
+            <a:lvl3pPr marL="1143000" indent="-228600" algn="l" defTabSz="914400" rtl="0" eaLnBrk="1" latinLnBrk="0" hangingPunct="1">
+              <a:lnSpc>
+                <a:spcPct val="90000"/>
+              </a:lnSpc>
+              <a:spcBef>
+                <a:spcPts val="500"/>
+              </a:spcBef>
+              <a:buFont typeface="Arial" panose="020B0604020202020204" pitchFamily="34" charset="0"/>
+              <a:buChar char="•"/>
+              <a:defRPr sz="2000" kern="1200">
+                <a:solidFill>
+                  <a:schemeClr val="tx1"/>
+                </a:solidFill>
+                <a:latin typeface="+mn-lt"/>
+                <a:ea typeface="+mn-ea"/>
+                <a:cs typeface="+mn-cs"/>
+              </a:defRPr>
+            </a:lvl3pPr>
+            <a:lvl4pPr marL="1600200" indent="-228600" algn="l" defTabSz="914400" rtl="0" eaLnBrk="1" latinLnBrk="0" hangingPunct="1">
+              <a:lnSpc>
+                <a:spcPct val="90000"/>
+              </a:lnSpc>
+              <a:spcBef>
+                <a:spcPts val="500"/>
+              </a:spcBef>
+              <a:buFont typeface="Arial" panose="020B0604020202020204" pitchFamily="34" charset="0"/>
+              <a:buChar char="•"/>
+              <a:defRPr sz="1800" kern="1200">
+                <a:solidFill>
+                  <a:schemeClr val="tx1"/>
+                </a:solidFill>
+                <a:latin typeface="+mn-lt"/>
+                <a:ea typeface="+mn-ea"/>
+                <a:cs typeface="+mn-cs"/>
+              </a:defRPr>
+            </a:lvl4pPr>
+            <a:lvl5pPr marL="2057400" indent="-228600" algn="l" defTabSz="914400" rtl="0" eaLnBrk="1" latinLnBrk="0" hangingPunct="1">
+              <a:lnSpc>
+                <a:spcPct val="90000"/>
+              </a:lnSpc>
+              <a:spcBef>
+                <a:spcPts val="500"/>
+              </a:spcBef>
+              <a:buFont typeface="Arial" panose="020B0604020202020204" pitchFamily="34" charset="0"/>
+              <a:buChar char="•"/>
+              <a:defRPr sz="1800" kern="1200">
+                <a:solidFill>
+                  <a:schemeClr val="tx1"/>
+                </a:solidFill>
+                <a:latin typeface="+mn-lt"/>
+                <a:ea typeface="+mn-ea"/>
+                <a:cs typeface="+mn-cs"/>
+              </a:defRPr>
+            </a:lvl5pPr>
+            <a:lvl6pPr marL="2514600" indent="-228600" algn="l" defTabSz="914400" rtl="0" eaLnBrk="1" latinLnBrk="0" hangingPunct="1">
+              <a:lnSpc>
+                <a:spcPct val="90000"/>
+              </a:lnSpc>
+              <a:spcBef>
+                <a:spcPts val="500"/>
+              </a:spcBef>
+              <a:buFont typeface="Arial" panose="020B0604020202020204" pitchFamily="34" charset="0"/>
+              <a:buChar char="•"/>
+              <a:defRPr sz="1800" kern="1200">
+                <a:solidFill>
+                  <a:schemeClr val="tx1"/>
+                </a:solidFill>
+                <a:latin typeface="+mn-lt"/>
+                <a:ea typeface="+mn-ea"/>
+                <a:cs typeface="+mn-cs"/>
+              </a:defRPr>
+            </a:lvl6pPr>
+            <a:lvl7pPr marL="2971800" indent="-228600" algn="l" defTabSz="914400" rtl="0" eaLnBrk="1" latinLnBrk="0" hangingPunct="1">
+              <a:lnSpc>
+                <a:spcPct val="90000"/>
+              </a:lnSpc>
+              <a:spcBef>
+                <a:spcPts val="500"/>
+              </a:spcBef>
+              <a:buFont typeface="Arial" panose="020B0604020202020204" pitchFamily="34" charset="0"/>
+              <a:buChar char="•"/>
+              <a:defRPr sz="1800" kern="1200">
+                <a:solidFill>
+                  <a:schemeClr val="tx1"/>
+                </a:solidFill>
+                <a:latin typeface="+mn-lt"/>
+                <a:ea typeface="+mn-ea"/>
+                <a:cs typeface="+mn-cs"/>
+              </a:defRPr>
+            </a:lvl7pPr>
+            <a:lvl8pPr marL="3429000" indent="-228600" algn="l" defTabSz="914400" rtl="0" eaLnBrk="1" latinLnBrk="0" hangingPunct="1">
+              <a:lnSpc>
+                <a:spcPct val="90000"/>
+              </a:lnSpc>
+              <a:spcBef>
+                <a:spcPts val="500"/>
+              </a:spcBef>
+              <a:buFont typeface="Arial" panose="020B0604020202020204" pitchFamily="34" charset="0"/>
+              <a:buChar char="•"/>
+              <a:defRPr sz="1800" kern="1200">
+                <a:solidFill>
+                  <a:schemeClr val="tx1"/>
+                </a:solidFill>
+                <a:latin typeface="+mn-lt"/>
+                <a:ea typeface="+mn-ea"/>
+                <a:cs typeface="+mn-cs"/>
+              </a:defRPr>
+            </a:lvl8pPr>
+            <a:lvl9pPr marL="3886200" indent="-228600" algn="l" defTabSz="914400" rtl="0" eaLnBrk="1" latinLnBrk="0" hangingPunct="1">
+              <a:lnSpc>
+                <a:spcPct val="90000"/>
+              </a:lnSpc>
+              <a:spcBef>
+                <a:spcPts val="500"/>
+              </a:spcBef>
+              <a:buFont typeface="Arial" panose="020B0604020202020204" pitchFamily="34" charset="0"/>
+              <a:buChar char="•"/>
+              <a:defRPr sz="1800" kern="1200">
+                <a:solidFill>
+                  <a:schemeClr val="tx1"/>
+                </a:solidFill>
+                <a:latin typeface="+mn-lt"/>
+                <a:ea typeface="+mn-ea"/>
+                <a:cs typeface="+mn-cs"/>
+              </a:defRPr>
+            </a:lvl9pPr>
+          </a:lstStyle>
+          <a:p>
+            <a:pPr algn="ctr"/>
+            <a:r>
+              <a:rPr lang="zh-CN" altLang="en-US" sz="2800" dirty="0" smtClean="0">
+                <a:solidFill>
+                  <a:srgbClr val="000000"/>
+                </a:solidFill>
+                <a:latin typeface="Segoe UI"/>
+                <a:ea typeface="微软雅黑"/>
+                <a:cs typeface="+mn-cs"/>
+              </a:rPr>
+              <a:t>研究基础及成果</a:t>
+            </a:r>
+            <a:endParaRPr lang="zh-CN" altLang="en-US" sz="2800" dirty="0">
+              <a:solidFill>
+                <a:srgbClr val="000000"/>
+              </a:solidFill>
+              <a:latin typeface="Segoe UI"/>
+              <a:ea typeface="微软雅黑"/>
+              <a:cs typeface="+mn-cs"/>
+            </a:endParaRPr>
+          </a:p>
+        </p:txBody>
+      </p:sp>
+      <p:sp>
+        <p:nvSpPr>
+          <p:cNvPr id="6" name="文本框 5"/>
+          <p:cNvSpPr txBox="1"/>
+          <p:nvPr/>
+        </p:nvSpPr>
+        <p:spPr>
+          <a:xfrm>
+            <a:off x="5741551" y="1618518"/>
+            <a:ext cx="4862948" cy="923330"/>
+          </a:xfrm>
+          <a:prstGeom prst="rect">
+            <a:avLst/>
+          </a:prstGeom>
+          <a:noFill/>
+        </p:spPr>
+        <p:txBody>
+          <a:bodyPr wrap="square" rtlCol="0">
+            <a:spAutoFit/>
+          </a:bodyPr>
+          <a:lstStyle/>
+          <a:p>
+            <a:r>
+              <a:rPr lang="zh-CN" altLang="en-US" dirty="0" smtClean="0">
+                <a:solidFill>
+                  <a:schemeClr val="accent2">
+                    <a:lumMod val="75000"/>
+                  </a:schemeClr>
+                </a:solidFill>
+              </a:rPr>
+              <a:t>研究图计算及图数据库两年多，编写了国内第一本图数据库方面的丛书。</a:t>
+            </a:r>
+            <a:endParaRPr lang="en-US" altLang="zh-CN" dirty="0" smtClean="0">
+              <a:solidFill>
+                <a:schemeClr val="accent2">
+                  <a:lumMod val="75000"/>
+                </a:schemeClr>
+              </a:solidFill>
+            </a:endParaRPr>
+          </a:p>
+          <a:p>
+            <a:r>
+              <a:rPr lang="en-US" altLang="zh-CN" dirty="0" smtClean="0">
+                <a:solidFill>
+                  <a:schemeClr val="accent2">
+                    <a:lumMod val="75000"/>
+                  </a:schemeClr>
+                </a:solidFill>
+              </a:rPr>
+              <a:t>2017</a:t>
+            </a:r>
+            <a:r>
+              <a:rPr lang="zh-CN" altLang="en-US" dirty="0" smtClean="0">
+                <a:solidFill>
+                  <a:schemeClr val="accent2">
+                    <a:lumMod val="75000"/>
+                  </a:schemeClr>
+                </a:solidFill>
+              </a:rPr>
+              <a:t>年</a:t>
+            </a:r>
+            <a:r>
+              <a:rPr lang="en-US" altLang="zh-CN" dirty="0" smtClean="0">
+                <a:solidFill>
+                  <a:schemeClr val="accent2">
+                    <a:lumMod val="75000"/>
+                  </a:schemeClr>
+                </a:solidFill>
+              </a:rPr>
+              <a:t>9</a:t>
+            </a:r>
+            <a:r>
+              <a:rPr lang="zh-CN" altLang="en-US" dirty="0" smtClean="0">
+                <a:solidFill>
+                  <a:schemeClr val="accent2">
+                    <a:lumMod val="75000"/>
+                  </a:schemeClr>
+                </a:solidFill>
+              </a:rPr>
+              <a:t>月出版</a:t>
+            </a:r>
+            <a:endParaRPr lang="zh-CN" altLang="en-US" dirty="0">
+              <a:solidFill>
+                <a:schemeClr val="accent2">
+                  <a:lumMod val="75000"/>
+                </a:schemeClr>
+              </a:solidFill>
+            </a:endParaRPr>
+          </a:p>
+        </p:txBody>
+      </p:sp>
+    </p:spTree>
+    <p:extLst>
+      <p:ext uri="{BB962C8B-B14F-4D97-AF65-F5344CB8AC3E}">
+        <p14:creationId xmlns:p14="http://schemas.microsoft.com/office/powerpoint/2010/main" val="311468748"/>
+      </p:ext>
+    </p:extLst>
+  </p:cSld>
+  <p:clrMapOvr>
+    <a:masterClrMapping/>
+  </p:clrMapOvr>
+</p:sld>
+</file>
+
+<file path=ppt/slides/slide34.xml><?xml version="1.0" encoding="utf-8"?>
+<p:sld xmlns:a="http://schemas.openxmlformats.org/drawingml/2006/main" xmlns:r="http://schemas.openxmlformats.org/officeDocument/2006/relationships" xmlns:p="http://schemas.openxmlformats.org/presentationml/2006/main">
+  <p:cSld>
+    <p:spTree>
+      <p:nvGrpSpPr>
+        <p:cNvPr id="1" name=""/>
+        <p:cNvGrpSpPr/>
+        <p:nvPr/>
+      </p:nvGrpSpPr>
+      <p:grpSpPr>
+        <a:xfrm>
+          <a:off x="0" y="0"/>
+          <a:ext cx="0" cy="0"/>
+          <a:chOff x="0" y="0"/>
+          <a:chExt cx="0" cy="0"/>
+        </a:xfrm>
+      </p:grpSpPr>
       <p:sp>
         <p:nvSpPr>
           <p:cNvPr id="3" name="文本占位符 2"/>
@@ -25677,8 +26193,8 @@
         </p:nvSpPr>
         <p:spPr>
           <a:xfrm>
-            <a:off x="1010421" y="1442930"/>
-            <a:ext cx="7904978" cy="572464"/>
+            <a:off x="1010420" y="1442930"/>
+            <a:ext cx="9144962" cy="652486"/>
           </a:xfrm>
           <a:prstGeom prst="rect">
             <a:avLst/>
@@ -25696,146 +26212,146 @@
               </a:lnSpc>
             </a:pPr>
             <a:r>
-              <a:rPr lang="zh-CN" altLang="zh-CN" sz="1200" dirty="0">
+              <a:rPr lang="zh-CN" altLang="zh-CN" sz="1400" dirty="0">
                 <a:latin typeface="微软雅黑" charset="0"/>
                 <a:ea typeface="微软雅黑" charset="0"/>
               </a:rPr>
               <a:t>随着信息技术的发展，互联网上的信息规模出现了爆炸式增长，</a:t>
             </a:r>
             <a:r>
-              <a:rPr lang="zh-CN" altLang="zh-CN" sz="1200" dirty="0" smtClean="0">
+              <a:rPr lang="zh-CN" altLang="zh-CN" sz="1400" dirty="0" smtClean="0">
                 <a:latin typeface="微软雅黑" charset="0"/>
                 <a:ea typeface="微软雅黑" charset="0"/>
               </a:rPr>
               <a:t>如今</a:t>
             </a:r>
             <a:r>
-              <a:rPr lang="zh-CN" altLang="en-US" sz="1200" dirty="0" smtClean="0">
+              <a:rPr lang="zh-CN" altLang="en-US" sz="1400" dirty="0" smtClean="0">
                 <a:latin typeface="微软雅黑" charset="0"/>
                 <a:ea typeface="微软雅黑" charset="0"/>
               </a:rPr>
               <a:t>中国</a:t>
             </a:r>
             <a:r>
-              <a:rPr lang="zh-CN" altLang="zh-CN" sz="1200" dirty="0" smtClean="0">
+              <a:rPr lang="zh-CN" altLang="zh-CN" sz="1400" dirty="0" smtClean="0">
                 <a:latin typeface="微软雅黑" charset="0"/>
                 <a:ea typeface="微软雅黑" charset="0"/>
               </a:rPr>
               <a:t>互联网</a:t>
             </a:r>
             <a:r>
-              <a:rPr lang="zh-CN" altLang="zh-CN" sz="1200" dirty="0">
+              <a:rPr lang="zh-CN" altLang="zh-CN" sz="1400" dirty="0">
                 <a:latin typeface="微软雅黑" charset="0"/>
                 <a:ea typeface="微软雅黑" charset="0"/>
               </a:rPr>
               <a:t>网页</a:t>
             </a:r>
             <a:r>
-              <a:rPr lang="zh-CN" altLang="zh-CN" sz="1200" dirty="0" smtClean="0">
+              <a:rPr lang="zh-CN" altLang="zh-CN" sz="1400" dirty="0" smtClean="0">
                 <a:latin typeface="微软雅黑" charset="0"/>
                 <a:ea typeface="微软雅黑" charset="0"/>
               </a:rPr>
               <a:t>接近</a:t>
             </a:r>
             <a:r>
-              <a:rPr lang="en-US" altLang="zh-CN" sz="1200" dirty="0" smtClean="0">
+              <a:rPr lang="en-US" altLang="zh-CN" sz="1400" dirty="0" smtClean="0">
                 <a:latin typeface="微软雅黑" charset="0"/>
                 <a:ea typeface="微软雅黑" charset="0"/>
               </a:rPr>
               <a:t>2370</a:t>
             </a:r>
             <a:r>
-              <a:rPr lang="zh-CN" altLang="zh-CN" sz="1200" dirty="0" smtClean="0">
+              <a:rPr lang="zh-CN" altLang="zh-CN" sz="1400" dirty="0" smtClean="0">
                 <a:latin typeface="微软雅黑" charset="0"/>
                 <a:ea typeface="微软雅黑" charset="0"/>
               </a:rPr>
               <a:t>亿</a:t>
             </a:r>
             <a:r>
-              <a:rPr lang="zh-CN" altLang="zh-CN" sz="1200" dirty="0">
+              <a:rPr lang="zh-CN" altLang="zh-CN" sz="1400" dirty="0">
                 <a:latin typeface="微软雅黑" charset="0"/>
                 <a:ea typeface="微软雅黑" charset="0"/>
               </a:rPr>
               <a:t>，而且用户数目也突破</a:t>
             </a:r>
             <a:r>
-              <a:rPr lang="zh-CN" altLang="zh-CN" sz="1200" dirty="0" smtClean="0">
+              <a:rPr lang="zh-CN" altLang="zh-CN" sz="1400" dirty="0" smtClean="0">
                 <a:latin typeface="微软雅黑" charset="0"/>
                 <a:ea typeface="微软雅黑" charset="0"/>
               </a:rPr>
               <a:t>了</a:t>
             </a:r>
             <a:r>
-              <a:rPr lang="en-US" altLang="zh-CN" sz="1200" dirty="0" smtClean="0">
+              <a:rPr lang="en-US" altLang="zh-CN" sz="1400" dirty="0" smtClean="0">
                 <a:latin typeface="微软雅黑" charset="0"/>
                 <a:ea typeface="微软雅黑" charset="0"/>
               </a:rPr>
               <a:t>7.3</a:t>
             </a:r>
             <a:r>
-              <a:rPr lang="zh-CN" altLang="zh-CN" sz="1200" dirty="0" smtClean="0">
+              <a:rPr lang="zh-CN" altLang="zh-CN" sz="1400" dirty="0" smtClean="0">
                 <a:latin typeface="微软雅黑" charset="0"/>
                 <a:ea typeface="微软雅黑" charset="0"/>
               </a:rPr>
               <a:t>亿</a:t>
             </a:r>
             <a:r>
-              <a:rPr lang="zh-CN" altLang="en-US" sz="1200" dirty="0" smtClean="0">
+              <a:rPr lang="zh-CN" altLang="en-US" sz="1400" dirty="0" smtClean="0">
                 <a:latin typeface="微软雅黑" charset="0"/>
                 <a:ea typeface="微软雅黑" charset="0"/>
               </a:rPr>
               <a:t>。</a:t>
             </a:r>
             <a:r>
-              <a:rPr lang="zh-CN" altLang="zh-CN" sz="1200" dirty="0">
+              <a:rPr lang="zh-CN" altLang="zh-CN" sz="1400" dirty="0">
                 <a:latin typeface="微软雅黑" charset="0"/>
                 <a:ea typeface="微软雅黑" charset="0"/>
               </a:rPr>
               <a:t>这些大规模，高度结构化的数据很大程度的反应了真实世界中的关系</a:t>
             </a:r>
             <a:r>
-              <a:rPr lang="zh-CN" altLang="zh-CN" sz="1200" dirty="0" smtClean="0">
+              <a:rPr lang="zh-CN" altLang="zh-CN" sz="1400" dirty="0" smtClean="0">
                 <a:latin typeface="微软雅黑" charset="0"/>
                 <a:ea typeface="微软雅黑" charset="0"/>
               </a:rPr>
               <a:t>，</a:t>
             </a:r>
             <a:r>
-              <a:rPr lang="zh-CN" altLang="en-US" sz="1200" dirty="0" smtClean="0">
+              <a:rPr lang="zh-CN" altLang="en-US" sz="1400" dirty="0" smtClean="0">
                 <a:latin typeface="微软雅黑" charset="0"/>
                 <a:ea typeface="微软雅黑" charset="0"/>
               </a:rPr>
               <a:t>有</a:t>
             </a:r>
             <a:r>
-              <a:rPr lang="zh-CN" altLang="zh-CN" sz="1200" dirty="0" smtClean="0">
+              <a:rPr lang="zh-CN" altLang="zh-CN" sz="1400" dirty="0" smtClean="0">
                 <a:latin typeface="微软雅黑" charset="0"/>
                 <a:ea typeface="微软雅黑" charset="0"/>
               </a:rPr>
               <a:t>着</a:t>
             </a:r>
             <a:r>
-              <a:rPr lang="zh-CN" altLang="zh-CN" sz="1200" dirty="0">
+              <a:rPr lang="zh-CN" altLang="zh-CN" sz="1400" dirty="0">
                 <a:latin typeface="微软雅黑" charset="0"/>
                 <a:ea typeface="微软雅黑" charset="0"/>
               </a:rPr>
               <a:t>巨大的研究和商用</a:t>
             </a:r>
             <a:r>
-              <a:rPr lang="zh-CN" altLang="zh-CN" sz="1200" dirty="0" smtClean="0">
+              <a:rPr lang="zh-CN" altLang="zh-CN" sz="1400" dirty="0" smtClean="0">
                 <a:latin typeface="微软雅黑" charset="0"/>
                 <a:ea typeface="微软雅黑" charset="0"/>
               </a:rPr>
               <a:t>价值</a:t>
             </a:r>
             <a:r>
-              <a:rPr lang="zh-CN" altLang="en-US" sz="1200" dirty="0" smtClean="0">
+              <a:rPr lang="zh-CN" altLang="en-US" sz="1400" dirty="0" smtClean="0">
                 <a:latin typeface="微软雅黑" charset="0"/>
                 <a:ea typeface="微软雅黑" charset="0"/>
               </a:rPr>
               <a:t>。</a:t>
             </a:r>
-            <a:endParaRPr lang="zh-CN" altLang="en-US" sz="1200" dirty="0">
+            <a:endParaRPr lang="zh-CN" altLang="en-US" sz="1400" dirty="0">
               <a:latin typeface="微软雅黑" charset="0"/>
               <a:ea typeface="微软雅黑" charset="0"/>
             </a:endParaRPr>
@@ -26143,7 +26659,7 @@
         <p:spPr>
           <a:xfrm>
             <a:off x="1010420" y="2727971"/>
-            <a:ext cx="7904979" cy="572464"/>
+            <a:ext cx="9144962" cy="652486"/>
           </a:xfrm>
           <a:prstGeom prst="rect">
             <a:avLst/>
@@ -26161,97 +26677,97 @@
               </a:lnSpc>
             </a:pPr>
             <a:r>
-              <a:rPr lang="zh-CN" altLang="zh-CN" sz="1200" dirty="0">
+              <a:rPr lang="zh-CN" altLang="zh-CN" sz="1400" dirty="0">
                 <a:latin typeface="微软雅黑" charset="0"/>
                 <a:ea typeface="微软雅黑" charset="0"/>
               </a:rPr>
               <a:t>相关领域也出现了大量的图分析算法，他们通过计算数据的结构化特征，提取出重要的信息。其中，具有代表性的技术包括排序（</a:t>
             </a:r>
             <a:r>
-              <a:rPr lang="en-US" altLang="zh-CN" sz="1200" dirty="0">
+              <a:rPr lang="en-US" altLang="zh-CN" sz="1400" dirty="0">
                 <a:latin typeface="微软雅黑" charset="0"/>
                 <a:ea typeface="微软雅黑" charset="0"/>
               </a:rPr>
               <a:t>ranking</a:t>
             </a:r>
             <a:r>
-              <a:rPr lang="zh-CN" altLang="zh-CN" sz="1200" dirty="0" smtClean="0">
+              <a:rPr lang="zh-CN" altLang="zh-CN" sz="1400" dirty="0" smtClean="0">
                 <a:latin typeface="微软雅黑" charset="0"/>
                 <a:ea typeface="微软雅黑" charset="0"/>
               </a:rPr>
               <a:t>）， </a:t>
             </a:r>
             <a:r>
-              <a:rPr lang="zh-CN" altLang="zh-CN" sz="1200" dirty="0">
+              <a:rPr lang="zh-CN" altLang="zh-CN" sz="1400" dirty="0">
                 <a:latin typeface="微软雅黑" charset="0"/>
                 <a:ea typeface="微软雅黑" charset="0"/>
               </a:rPr>
               <a:t>社区群体（</a:t>
             </a:r>
             <a:r>
-              <a:rPr lang="en-US" altLang="zh-CN" sz="1200" dirty="0">
+              <a:rPr lang="en-US" altLang="zh-CN" sz="1400" dirty="0">
                 <a:latin typeface="微软雅黑" charset="0"/>
                 <a:ea typeface="微软雅黑" charset="0"/>
               </a:rPr>
               <a:t>community</a:t>
             </a:r>
             <a:r>
-              <a:rPr lang="zh-CN" altLang="zh-CN" sz="1200" dirty="0" smtClean="0">
+              <a:rPr lang="zh-CN" altLang="zh-CN" sz="1400" dirty="0" smtClean="0">
                 <a:latin typeface="微软雅黑" charset="0"/>
                 <a:ea typeface="微软雅黑" charset="0"/>
               </a:rPr>
               <a:t>）</a:t>
             </a:r>
             <a:r>
-              <a:rPr lang="zh-CN" altLang="en-US" sz="1200" dirty="0" smtClean="0">
+              <a:rPr lang="zh-CN" altLang="en-US" sz="1400" dirty="0" smtClean="0">
                 <a:latin typeface="微软雅黑" charset="0"/>
                 <a:ea typeface="微软雅黑" charset="0"/>
               </a:rPr>
               <a:t>发现</a:t>
             </a:r>
             <a:r>
-              <a:rPr lang="zh-CN" altLang="zh-CN" sz="1200" dirty="0" smtClean="0">
+              <a:rPr lang="zh-CN" altLang="zh-CN" sz="1400" dirty="0" smtClean="0">
                 <a:latin typeface="微软雅黑" charset="0"/>
                 <a:ea typeface="微软雅黑" charset="0"/>
               </a:rPr>
               <a:t>，</a:t>
             </a:r>
             <a:r>
-              <a:rPr lang="zh-CN" altLang="zh-CN" sz="1200" dirty="0">
+              <a:rPr lang="zh-CN" altLang="zh-CN" sz="1400" dirty="0">
                 <a:latin typeface="微软雅黑" charset="0"/>
                 <a:ea typeface="微软雅黑" charset="0"/>
               </a:rPr>
               <a:t>话题（</a:t>
             </a:r>
             <a:r>
-              <a:rPr lang="en-US" altLang="zh-CN" sz="1200" dirty="0">
+              <a:rPr lang="en-US" altLang="zh-CN" sz="1400" dirty="0">
                 <a:latin typeface="微软雅黑" charset="0"/>
                 <a:ea typeface="微软雅黑" charset="0"/>
               </a:rPr>
               <a:t>topic</a:t>
             </a:r>
             <a:r>
-              <a:rPr lang="zh-CN" altLang="zh-CN" sz="1200" dirty="0">
+              <a:rPr lang="zh-CN" altLang="zh-CN" sz="1400" dirty="0">
                 <a:latin typeface="微软雅黑" charset="0"/>
                 <a:ea typeface="微软雅黑" charset="0"/>
               </a:rPr>
               <a:t>）</a:t>
             </a:r>
             <a:r>
-              <a:rPr lang="zh-CN" altLang="zh-CN" sz="1200" dirty="0" smtClean="0">
+              <a:rPr lang="zh-CN" altLang="zh-CN" sz="1400" dirty="0" smtClean="0">
                 <a:latin typeface="微软雅黑" charset="0"/>
                 <a:ea typeface="微软雅黑" charset="0"/>
               </a:rPr>
               <a:t>分析等</a:t>
             </a:r>
             <a:r>
-              <a:rPr lang="zh-CN" altLang="en-US" sz="1200" dirty="0" smtClean="0">
+              <a:rPr lang="zh-CN" altLang="en-US" sz="1400" dirty="0" smtClean="0">
                 <a:latin typeface="微软雅黑" charset="0"/>
                 <a:ea typeface="微软雅黑" charset="0"/>
               </a:rPr>
               <a:t>。</a:t>
             </a:r>
-            <a:endParaRPr lang="zh-CN" altLang="en-US" sz="1200" dirty="0">
+            <a:endParaRPr lang="zh-CN" altLang="en-US" sz="1400" dirty="0">
               <a:latin typeface="微软雅黑" charset="0"/>
               <a:ea typeface="微软雅黑" charset="0"/>
             </a:endParaRPr>
@@ -26559,7 +27075,7 @@
         <p:spPr>
           <a:xfrm>
             <a:off x="1010420" y="4013012"/>
-            <a:ext cx="7904979" cy="812530"/>
+            <a:ext cx="9144962" cy="905248"/>
           </a:xfrm>
           <a:prstGeom prst="rect">
             <a:avLst/>
@@ -26577,48 +27093,48 @@
               </a:lnSpc>
             </a:pPr>
             <a:r>
-              <a:rPr lang="zh-CN" altLang="zh-CN" sz="1200" dirty="0" smtClean="0">
+              <a:rPr lang="zh-CN" altLang="zh-CN" sz="1400" dirty="0" smtClean="0">
                 <a:latin typeface="微软雅黑" charset="0"/>
                 <a:ea typeface="微软雅黑" charset="0"/>
               </a:rPr>
               <a:t>目前</a:t>
             </a:r>
             <a:r>
-              <a:rPr lang="zh-CN" altLang="zh-CN" sz="1200" dirty="0">
+              <a:rPr lang="zh-CN" altLang="zh-CN" sz="1400" dirty="0">
                 <a:latin typeface="微软雅黑" charset="0"/>
                 <a:ea typeface="微软雅黑" charset="0"/>
               </a:rPr>
               <a:t>有代表性的大规模计算</a:t>
             </a:r>
             <a:r>
-              <a:rPr lang="zh-CN" altLang="zh-CN" sz="1200" dirty="0" smtClean="0">
+              <a:rPr lang="zh-CN" altLang="zh-CN" sz="1400" dirty="0" smtClean="0">
                 <a:latin typeface="微软雅黑" charset="0"/>
                 <a:ea typeface="微软雅黑" charset="0"/>
               </a:rPr>
               <a:t>平台由于</a:t>
             </a:r>
             <a:r>
-              <a:rPr lang="zh-CN" altLang="zh-CN" sz="1200" dirty="0">
+              <a:rPr lang="zh-CN" altLang="zh-CN" sz="1400" dirty="0">
                 <a:latin typeface="微软雅黑" charset="0"/>
                 <a:ea typeface="微软雅黑" charset="0"/>
               </a:rPr>
               <a:t>设计目标比较宽泛，能够支持的应用范围也比较广泛</a:t>
             </a:r>
             <a:r>
-              <a:rPr lang="zh-CN" altLang="zh-CN" sz="1200" dirty="0" smtClean="0">
+              <a:rPr lang="zh-CN" altLang="zh-CN" sz="1400" dirty="0" smtClean="0">
                 <a:latin typeface="微软雅黑" charset="0"/>
                 <a:ea typeface="微软雅黑" charset="0"/>
               </a:rPr>
               <a:t>。</a:t>
             </a:r>
             <a:r>
-              <a:rPr lang="zh-CN" altLang="zh-CN" sz="1200" dirty="0">
+              <a:rPr lang="zh-CN" altLang="zh-CN" sz="1400" dirty="0">
                 <a:latin typeface="微软雅黑" charset="0"/>
                 <a:ea typeface="微软雅黑" charset="0"/>
               </a:rPr>
               <a:t>然而通用的分析平台在设计上以满足绝大多数的计算任务为主，却没有考虑到不同计算任务之间的差异性，该问题在图计算方面就显的尤为突出。</a:t>
             </a:r>
-            <a:endParaRPr lang="zh-CN" altLang="en-US" sz="1200" dirty="0">
+            <a:endParaRPr lang="zh-CN" altLang="en-US" sz="1400" dirty="0">
               <a:latin typeface="微软雅黑" charset="0"/>
               <a:ea typeface="微软雅黑" charset="0"/>
             </a:endParaRPr>
@@ -26633,7 +27149,7 @@
         </p:nvGrpSpPr>
         <p:grpSpPr>
           <a:xfrm>
-            <a:off x="961594" y="4745970"/>
+            <a:off x="974794" y="4890166"/>
             <a:ext cx="3334635" cy="509896"/>
             <a:chOff x="910794" y="928946"/>
             <a:chExt cx="2300757" cy="509896"/>
@@ -26880,7 +27396,7 @@
         </p:nvSpPr>
         <p:spPr>
           <a:xfrm>
-            <a:off x="1092501" y="4821346"/>
+            <a:off x="1092501" y="4960448"/>
             <a:ext cx="3185487" cy="369332"/>
           </a:xfrm>
           <a:prstGeom prst="rect">
@@ -26937,8 +27453,8 @@
         </p:nvSpPr>
         <p:spPr>
           <a:xfrm>
-            <a:off x="1010420" y="5298054"/>
-            <a:ext cx="7904979" cy="812530"/>
+            <a:off x="974794" y="5422724"/>
+            <a:ext cx="9144962" cy="869149"/>
           </a:xfrm>
           <a:prstGeom prst="rect">
             <a:avLst/>
@@ -26956,42 +27472,42 @@
               </a:lnSpc>
             </a:pPr>
             <a:r>
-              <a:rPr lang="zh-CN" altLang="en-US" sz="1200" dirty="0">
+              <a:rPr lang="zh-CN" altLang="en-US" sz="1400" dirty="0">
                 <a:latin typeface="微软雅黑" charset="0"/>
                 <a:ea typeface="微软雅黑" charset="0"/>
               </a:rPr>
               <a:t>已</a:t>
             </a:r>
             <a:r>
-              <a:rPr lang="zh-CN" altLang="en-US" sz="1200" dirty="0" smtClean="0">
+              <a:rPr lang="zh-CN" altLang="en-US" sz="1400" dirty="0" smtClean="0">
                 <a:latin typeface="微软雅黑" charset="0"/>
                 <a:ea typeface="微软雅黑" charset="0"/>
               </a:rPr>
               <a:t>有</a:t>
             </a:r>
             <a:r>
-              <a:rPr lang="zh-CN" altLang="zh-CN" sz="1200" dirty="0" smtClean="0">
+              <a:rPr lang="zh-CN" altLang="zh-CN" sz="1400" dirty="0" smtClean="0">
                 <a:latin typeface="微软雅黑" charset="0"/>
                 <a:ea typeface="微软雅黑" charset="0"/>
               </a:rPr>
               <a:t>的</a:t>
             </a:r>
             <a:r>
-              <a:rPr lang="zh-CN" altLang="en-US" sz="1200" dirty="0" smtClean="0">
+              <a:rPr lang="zh-CN" altLang="en-US" sz="1400" dirty="0" smtClean="0">
                 <a:latin typeface="微软雅黑" charset="0"/>
                 <a:ea typeface="微软雅黑" charset="0"/>
               </a:rPr>
               <a:t>大部分</a:t>
             </a:r>
             <a:r>
-              <a:rPr lang="zh-CN" altLang="zh-CN" sz="1200" dirty="0" smtClean="0">
+              <a:rPr lang="zh-CN" altLang="zh-CN" sz="1400" dirty="0" smtClean="0">
                 <a:latin typeface="微软雅黑" charset="0"/>
                 <a:ea typeface="微软雅黑" charset="0"/>
               </a:rPr>
               <a:t>图</a:t>
             </a:r>
             <a:r>
-              <a:rPr lang="zh-CN" altLang="zh-CN" sz="1200" dirty="0">
+              <a:rPr lang="zh-CN" altLang="zh-CN" sz="1400" dirty="0">
                 <a:latin typeface="微软雅黑" charset="0"/>
                 <a:ea typeface="微软雅黑" charset="0"/>
               </a:rPr>
@@ -29950,10 +30466,10 @@
         </p:nvGrpSpPr>
         <p:grpSpPr>
           <a:xfrm>
-            <a:off x="1056046" y="912300"/>
-            <a:ext cx="4796708" cy="1803610"/>
+            <a:off x="1056045" y="912300"/>
+            <a:ext cx="4956827" cy="1770234"/>
             <a:chOff x="558800" y="977900"/>
-            <a:chExt cx="2895600" cy="1591552"/>
+            <a:chExt cx="2895600" cy="1562100"/>
           </a:xfrm>
         </p:grpSpPr>
         <p:sp>
@@ -30016,10 +30532,10 @@
           </p:nvGrpSpPr>
           <p:grpSpPr>
             <a:xfrm>
-              <a:off x="749830" y="1184250"/>
-              <a:ext cx="2667248" cy="1385202"/>
-              <a:chOff x="5638552" y="977900"/>
-              <a:chExt cx="2188812" cy="1385202"/>
+              <a:off x="718624" y="1184250"/>
+              <a:ext cx="2698456" cy="1067442"/>
+              <a:chOff x="5612943" y="977900"/>
+              <a:chExt cx="2214422" cy="1067442"/>
             </a:xfrm>
           </p:grpSpPr>
           <p:sp>
@@ -30053,19 +30569,7 @@
                     <a:latin typeface="Segoe UI"/>
                     <a:ea typeface="微软雅黑"/>
                   </a:rPr>
-                  <a:t>动态图主体</a:t>
-                </a:r>
-                <a:r>
-                  <a:rPr lang="zh-CN" altLang="en-US" sz="1400" b="1" dirty="0" smtClean="0">
-                    <a:solidFill>
-                      <a:schemeClr val="accent2">
-                        <a:lumMod val="75000"/>
-                      </a:schemeClr>
-                    </a:solidFill>
-                    <a:latin typeface="Segoe UI"/>
-                    <a:ea typeface="微软雅黑"/>
-                  </a:rPr>
-                  <a:t>存储</a:t>
+                  <a:t>动态图主体存储</a:t>
                 </a:r>
                 <a:r>
                   <a:rPr lang="en-US" altLang="zh-CN" sz="1400" b="1" dirty="0" err="1" smtClean="0">
@@ -30089,19 +30593,7 @@
                     <a:latin typeface="Segoe UI"/>
                     <a:ea typeface="微软雅黑"/>
                   </a:rPr>
-                  <a:t>的</a:t>
-                </a:r>
-                <a:r>
-                  <a:rPr lang="zh-CN" altLang="en-US" sz="1400" b="1" dirty="0" smtClean="0">
-                    <a:solidFill>
-                      <a:schemeClr val="accent2">
-                        <a:lumMod val="75000"/>
-                      </a:schemeClr>
-                    </a:solidFill>
-                    <a:latin typeface="Segoe UI"/>
-                    <a:ea typeface="微软雅黑"/>
-                  </a:rPr>
-                  <a:t>研究与实现</a:t>
+                  <a:t>的研究与实现</a:t>
                 </a:r>
                 <a:endParaRPr lang="zh-CN" altLang="en-US" sz="1400" b="1" dirty="0">
                   <a:solidFill>
@@ -30123,8 +30615,8 @@
             </p:nvSpPr>
             <p:spPr>
               <a:xfrm>
-                <a:off x="5638552" y="1222424"/>
-                <a:ext cx="2188812" cy="1140678"/>
+                <a:off x="5612943" y="1222424"/>
+                <a:ext cx="2214422" cy="822918"/>
               </a:xfrm>
               <a:prstGeom prst="rect">
                 <a:avLst/>
@@ -30142,62 +30634,48 @@
                   </a:lnSpc>
                 </a:pPr>
                 <a:r>
-                  <a:rPr lang="zh-CN" altLang="en-US" sz="1200" dirty="0" smtClean="0">
+                  <a:rPr lang="zh-CN" altLang="en-US" sz="1400" dirty="0" smtClean="0">
                     <a:latin typeface="微软雅黑" charset="0"/>
                     <a:ea typeface="微软雅黑" charset="0"/>
                   </a:rPr>
-                  <a:t>目前工业界已经有了一些比较成熟的时序数据（</a:t>
+                  <a:t>本文</a:t>
                 </a:r>
                 <a:r>
-                  <a:rPr lang="en-US" altLang="zh-CN" sz="1200" dirty="0" smtClean="0">
+                  <a:rPr lang="zh-CN" altLang="en-US" sz="1400" dirty="0" smtClean="0">
                     <a:latin typeface="微软雅黑" charset="0"/>
                     <a:ea typeface="微软雅黑" charset="0"/>
                   </a:rPr>
-                  <a:t>Time Series </a:t>
+                  <a:t>设计实现了一个支持时序存储的图数据库（</a:t>
                 </a:r>
                 <a:r>
-                  <a:rPr lang="en-US" altLang="zh-CN" sz="1200" dirty="0" err="1" smtClean="0">
-                    <a:latin typeface="微软雅黑" charset="0"/>
-                    <a:ea typeface="微软雅黑" charset="0"/>
-                  </a:rPr>
-                  <a:t>DataBase</a:t>
-                </a:r>
-                <a:r>
-                  <a:rPr lang="zh-CN" altLang="en-US" sz="1200" dirty="0" smtClean="0">
-                    <a:latin typeface="微软雅黑" charset="0"/>
-                    <a:ea typeface="微软雅黑" charset="0"/>
-                  </a:rPr>
-                  <a:t>），但是仍然没有一个图存储方面的时序数据库。本文设计实现了一个支持时序存储的图数据库（</a:t>
-                </a:r>
-                <a:r>
-                  <a:rPr lang="en-US" altLang="zh-CN" sz="1200" dirty="0" err="1" smtClean="0">
+                  <a:rPr lang="en-US" altLang="zh-CN" sz="1400" dirty="0" err="1" smtClean="0">
                     <a:latin typeface="微软雅黑" charset="0"/>
                     <a:ea typeface="微软雅黑" charset="0"/>
                   </a:rPr>
                   <a:t>TSGraph</a:t>
                 </a:r>
                 <a:r>
-                  <a:rPr lang="zh-CN" altLang="en-US" sz="1200" dirty="0" smtClean="0">
+                  <a:rPr lang="zh-CN" altLang="en-US" sz="1400" dirty="0" smtClean="0">
                     <a:latin typeface="微软雅黑" charset="0"/>
                     <a:ea typeface="微软雅黑" charset="0"/>
                   </a:rPr>
                   <a:t>）。存储后端使用了</a:t>
                 </a:r>
                 <a:r>
-                  <a:rPr lang="en-US" altLang="zh-CN" sz="1200" dirty="0" err="1" smtClean="0">
+                  <a:rPr lang="en-US" altLang="zh-CN" sz="1400" dirty="0" err="1" smtClean="0">
                     <a:latin typeface="微软雅黑" charset="0"/>
                     <a:ea typeface="微软雅黑" charset="0"/>
                   </a:rPr>
                   <a:t>Hbase</a:t>
                 </a:r>
                 <a:r>
-                  <a:rPr lang="zh-CN" altLang="en-US" sz="1200" dirty="0" smtClean="0">
+                  <a:rPr lang="zh-CN" altLang="en-US" sz="1400" dirty="0" smtClean="0">
                     <a:latin typeface="微软雅黑" charset="0"/>
                     <a:ea typeface="微软雅黑" charset="0"/>
                   </a:rPr>
                   <a:t>，上面封装了一层查询接口，支持图的各方面查询和按时间区间检索。</a:t>
                 </a:r>
-                <a:endParaRPr lang="zh-CN" altLang="en-US" sz="1200" dirty="0">
+                <a:endParaRPr lang="zh-CN" altLang="en-US" sz="1400" dirty="0">
                   <a:latin typeface="微软雅黑" charset="0"/>
                   <a:ea typeface="微软雅黑" charset="0"/>
                 </a:endParaRPr>
@@ -30281,9 +30759,9 @@
           <p:grpSpPr>
             <a:xfrm>
               <a:off x="749830" y="1184250"/>
-              <a:ext cx="2667248" cy="961522"/>
+              <a:ext cx="2667248" cy="1314590"/>
               <a:chOff x="5638552" y="977900"/>
-              <a:chExt cx="2188812" cy="961522"/>
+              <a:chExt cx="2188812" cy="1314590"/>
             </a:xfrm>
           </p:grpSpPr>
           <p:sp>
@@ -30340,7 +30818,7 @@
             <p:spPr>
               <a:xfrm>
                 <a:off x="5638552" y="1222424"/>
-                <a:ext cx="2188812" cy="716998"/>
+                <a:ext cx="2188812" cy="1070066"/>
               </a:xfrm>
               <a:prstGeom prst="rect">
                 <a:avLst/>
@@ -30358,32 +30836,25 @@
                   </a:lnSpc>
                 </a:pPr>
                 <a:r>
-                  <a:rPr lang="zh-CN" altLang="en-US" sz="1200" dirty="0">
+                  <a:rPr lang="zh-CN" altLang="en-US" sz="1400" dirty="0">
                     <a:latin typeface="微软雅黑" charset="0"/>
                     <a:ea typeface="微软雅黑" charset="0"/>
                   </a:rPr>
-                  <a:t>图计算平台很重要的一个任务是进行动态计算。而图更新和图计算放在一个存储中做只能串行执行，效率不高。因此本文还还实现了一个计算副本</a:t>
+                  <a:t>图计算平台很重要的一个任务是进行动态计算。而图更新和图计算放在一个存储中做只能串行执行，效率不高。因此本文还还实现了一个计算副本存储，计算副本会</a:t>
                 </a:r>
                 <a:r>
-                  <a:rPr lang="zh-CN" altLang="en-US" sz="1200" dirty="0">
+                  <a:rPr lang="zh-CN" altLang="en-US" sz="1400" dirty="0" smtClean="0">
                     <a:latin typeface="微软雅黑" charset="0"/>
                     <a:ea typeface="微软雅黑" charset="0"/>
                   </a:rPr>
-                  <a:t>存储，</a:t>
-                </a:r>
-                <a:r>
-                  <a:rPr lang="zh-CN" altLang="en-US" sz="1200" dirty="0">
-                    <a:latin typeface="微软雅黑" charset="0"/>
-                    <a:ea typeface="微软雅黑" charset="0"/>
-                  </a:rPr>
-                  <a:t>计算副本会</a:t>
+                  <a:t>和主体存储自动交互</a:t>
                 </a:r>
                 <a:r>
                   <a:rPr lang="zh-CN" altLang="en-US" sz="1200" dirty="0" smtClean="0">
                     <a:latin typeface="微软雅黑" charset="0"/>
                     <a:ea typeface="微软雅黑" charset="0"/>
                   </a:rPr>
-                  <a:t>和主体存储自动交互。</a:t>
+                  <a:t>。</a:t>
                 </a:r>
                 <a:endParaRPr lang="zh-CN" altLang="en-US" sz="1200" dirty="0">
                   <a:latin typeface="微软雅黑" charset="0"/>
@@ -30402,8 +30873,8 @@
         </p:nvGrpSpPr>
         <p:grpSpPr>
           <a:xfrm>
-            <a:off x="1548654" y="4322627"/>
-            <a:ext cx="4852146" cy="1829979"/>
+            <a:off x="1320800" y="4322627"/>
+            <a:ext cx="5080000" cy="1829979"/>
             <a:chOff x="558800" y="977900"/>
             <a:chExt cx="2895600" cy="1562100"/>
           </a:xfrm>
@@ -30468,8 +30939,8 @@
           </p:nvSpPr>
           <p:spPr>
             <a:xfrm>
-              <a:off x="749830" y="1428774"/>
-              <a:ext cx="2667248" cy="693589"/>
+              <a:off x="800977" y="1428774"/>
+              <a:ext cx="2616100" cy="796051"/>
             </a:xfrm>
             <a:prstGeom prst="rect">
               <a:avLst/>
@@ -30487,76 +30958,90 @@
                 </a:lnSpc>
               </a:pPr>
               <a:r>
-                <a:rPr lang="zh-CN" altLang="en-US" sz="1200" dirty="0" smtClean="0">
+                <a:rPr lang="zh-CN" altLang="en-US" sz="1400" dirty="0" smtClean="0">
                   <a:latin typeface="微软雅黑" charset="0"/>
                   <a:ea typeface="微软雅黑" charset="0"/>
                 </a:rPr>
                 <a:t>本文基于</a:t>
               </a:r>
               <a:r>
-                <a:rPr lang="en-US" altLang="zh-CN" sz="1200" dirty="0" smtClean="0">
+                <a:rPr lang="en-US" altLang="zh-CN" sz="1400" dirty="0" smtClean="0">
                   <a:latin typeface="微软雅黑" charset="0"/>
                   <a:ea typeface="微软雅黑" charset="0"/>
                 </a:rPr>
                 <a:t>Spark </a:t>
               </a:r>
               <a:r>
-                <a:rPr lang="en-US" altLang="zh-CN" sz="1200" dirty="0" err="1" smtClean="0">
+                <a:rPr lang="en-US" altLang="zh-CN" sz="1400" dirty="0" err="1" smtClean="0">
                   <a:latin typeface="微软雅黑" charset="0"/>
                   <a:ea typeface="微软雅黑" charset="0"/>
                 </a:rPr>
                 <a:t>GraphX</a:t>
               </a:r>
               <a:r>
-                <a:rPr lang="zh-CN" altLang="en-US" sz="1200" dirty="0" smtClean="0">
+                <a:rPr lang="zh-CN" altLang="en-US" sz="1400" dirty="0" smtClean="0">
                   <a:latin typeface="微软雅黑" charset="0"/>
                   <a:ea typeface="微软雅黑" charset="0"/>
                 </a:rPr>
                 <a:t>实现了动态分布式图算法，主要包括</a:t>
               </a:r>
               <a:r>
-                <a:rPr lang="en-US" altLang="zh-CN" sz="1200" dirty="0" smtClean="0">
+                <a:rPr lang="en-US" altLang="zh-CN" sz="1400" dirty="0" smtClean="0">
                   <a:latin typeface="微软雅黑" charset="0"/>
                   <a:ea typeface="微软雅黑" charset="0"/>
                 </a:rPr>
                 <a:t>PageRank</a:t>
               </a:r>
               <a:r>
-                <a:rPr lang="zh-CN" altLang="en-US" sz="1200" dirty="0" smtClean="0">
+                <a:rPr lang="zh-CN" altLang="en-US" sz="1400" dirty="0" smtClean="0">
                   <a:latin typeface="微软雅黑" charset="0"/>
                   <a:ea typeface="微软雅黑" charset="0"/>
                 </a:rPr>
                 <a:t>算法，</a:t>
               </a:r>
               <a:r>
-                <a:rPr lang="en-US" altLang="zh-CN" sz="1200" dirty="0" err="1" smtClean="0">
+                <a:rPr lang="en-US" altLang="zh-CN" sz="1400" dirty="0" err="1" smtClean="0">
                   <a:latin typeface="微软雅黑" charset="0"/>
                   <a:ea typeface="微软雅黑" charset="0"/>
                 </a:rPr>
                 <a:t>TrustRank</a:t>
               </a:r>
               <a:r>
-                <a:rPr lang="zh-CN" altLang="en-US" sz="1200" dirty="0" smtClean="0">
+                <a:rPr lang="zh-CN" altLang="en-US" sz="1400" dirty="0" smtClean="0">
                   <a:latin typeface="微软雅黑" charset="0"/>
                   <a:ea typeface="微软雅黑" charset="0"/>
                 </a:rPr>
                 <a:t>算法，</a:t>
               </a:r>
               <a:r>
-                <a:rPr lang="en-US" altLang="zh-CN" sz="1200" dirty="0" err="1" smtClean="0">
+                <a:rPr lang="en-US" altLang="zh-CN" sz="1400" dirty="0" err="1" smtClean="0">
                   <a:latin typeface="微软雅黑" charset="0"/>
                   <a:ea typeface="微软雅黑" charset="0"/>
                 </a:rPr>
                 <a:t>ShortestPath</a:t>
               </a:r>
               <a:r>
-                <a:rPr lang="zh-CN" altLang="en-US" sz="1200" dirty="0" smtClean="0">
+                <a:rPr lang="en-US" altLang="zh-CN" sz="1400" dirty="0" smtClean="0">
                   <a:latin typeface="微软雅黑" charset="0"/>
                   <a:ea typeface="微软雅黑" charset="0"/>
                 </a:rPr>
-                <a:t>算法的动态实现等。</a:t>
+                <a:t> </a:t>
               </a:r>
-              <a:endParaRPr lang="zh-CN" altLang="en-US" sz="1200" dirty="0">
+              <a:r>
+                <a:rPr lang="zh-CN" altLang="en-US" sz="1400" dirty="0" smtClean="0">
+                  <a:latin typeface="微软雅黑" charset="0"/>
+                  <a:ea typeface="微软雅黑" charset="0"/>
+                </a:rPr>
+                <a:t>算法</a:t>
+              </a:r>
+              <a:r>
+                <a:rPr lang="zh-CN" altLang="en-US" sz="1400" dirty="0" smtClean="0">
+                  <a:latin typeface="微软雅黑" charset="0"/>
+                  <a:ea typeface="微软雅黑" charset="0"/>
+                </a:rPr>
+                <a:t>的动态实现等。</a:t>
+              </a:r>
+              <a:endParaRPr lang="zh-CN" altLang="en-US" sz="1400" dirty="0">
                 <a:latin typeface="微软雅黑" charset="0"/>
                 <a:ea typeface="微软雅黑" charset="0"/>
               </a:endParaRPr>
@@ -30672,7 +31157,7 @@
         </p:nvSpPr>
         <p:spPr>
           <a:xfrm>
-            <a:off x="1854200" y="4557731"/>
+            <a:off x="1745672" y="4577561"/>
             <a:ext cx="2698175" cy="307778"/>
           </a:xfrm>
           <a:prstGeom prst="rect">
@@ -30784,7 +31269,7 @@
         <p:spPr>
           <a:xfrm>
             <a:off x="6982232" y="4913327"/>
-            <a:ext cx="4064000" cy="738664"/>
+            <a:ext cx="4064000" cy="923330"/>
           </a:xfrm>
           <a:prstGeom prst="rect">
             <a:avLst/>
@@ -30798,18 +31283,11 @@
           <a:lstStyle/>
           <a:p>
             <a:r>
-              <a:rPr lang="zh-CN" altLang="en-US" sz="1200" dirty="0">
+              <a:rPr lang="zh-CN" altLang="en-US" sz="1400" dirty="0">
                 <a:latin typeface="微软雅黑" charset="0"/>
                 <a:ea typeface="微软雅黑" charset="0"/>
               </a:rPr>
-              <a:t>最后基于前几章的研究内容实现了一个易用的图分析平台，该平台可以进行图计算任务的实时分析和历史分析</a:t>
-            </a:r>
-            <a:r>
-              <a:rPr lang="zh-CN" altLang="en-US" dirty="0">
-                <a:latin typeface="微软雅黑" charset="0"/>
-                <a:ea typeface="微软雅黑" charset="0"/>
-              </a:rPr>
-              <a:t>。</a:t>
+              <a:t>最后基于前几章的研究内容实现了一个易用的图分析平台，该平台可以进行图计算任务的实时分析和历史分析。</a:t>
             </a:r>
           </a:p>
           <a:p>

--- a/赵炳-答辩报告 [自动保存].pptx
+++ b/赵炳-答辩报告 [自动保存].pptx
@@ -14375,7 +14375,7 @@
         <p:spPr>
           <a:xfrm>
             <a:off x="8583804" y="2095500"/>
-            <a:ext cx="3201796" cy="2677656"/>
+            <a:ext cx="3201796" cy="3323987"/>
           </a:xfrm>
           <a:prstGeom prst="rect">
             <a:avLst/>
@@ -14414,7 +14414,11 @@
             </a:r>
             <a:r>
               <a:rPr lang="zh-CN" altLang="en-US" sz="1400" dirty="0" smtClean="0"/>
-              <a:t>提交计算任务。</a:t>
+              <a:t>提交计算任务</a:t>
+            </a:r>
+            <a:r>
+              <a:rPr lang="zh-CN" altLang="en-US" sz="1400" dirty="0" smtClean="0"/>
+              <a:t>。</a:t>
             </a:r>
             <a:endParaRPr lang="en-US" altLang="zh-CN" sz="1400" dirty="0" smtClean="0"/>
           </a:p>
@@ -14423,30 +14427,6 @@
               <a:buFont typeface="+mj-lt"/>
               <a:buAutoNum type="arabicPeriod"/>
             </a:pPr>
-            <a:r>
-              <a:rPr lang="en-US" altLang="zh-CN" sz="1400" dirty="0" smtClean="0"/>
-              <a:t>Spark</a:t>
-            </a:r>
-            <a:r>
-              <a:rPr lang="zh-CN" altLang="en-US" sz="1400" dirty="0" smtClean="0"/>
-              <a:t>会定期从</a:t>
-            </a:r>
-            <a:r>
-              <a:rPr lang="en-US" altLang="zh-CN" sz="1400" dirty="0" err="1" smtClean="0"/>
-              <a:t>RabbitMQ</a:t>
-            </a:r>
-            <a:r>
-              <a:rPr lang="zh-CN" altLang="en-US" sz="1400" dirty="0" smtClean="0"/>
-              <a:t>中取出计算任务，然后从</a:t>
-            </a:r>
-            <a:r>
-              <a:rPr lang="en-US" altLang="zh-CN" sz="1400" dirty="0" smtClean="0"/>
-              <a:t>HDFS</a:t>
-            </a:r>
-            <a:r>
-              <a:rPr lang="zh-CN" altLang="en-US" sz="1400" dirty="0" smtClean="0"/>
-              <a:t>读入数据。</a:t>
-            </a:r>
             <a:endParaRPr lang="en-US" altLang="zh-CN" sz="1400" dirty="0" smtClean="0"/>
           </a:p>
           <a:p>
@@ -14460,7 +14440,7 @@
             </a:r>
             <a:r>
               <a:rPr lang="zh-CN" altLang="en-US" sz="1400" dirty="0" smtClean="0"/>
-              <a:t>计算结束后会向</a:t>
+              <a:t>会定期从</a:t>
             </a:r>
             <a:r>
               <a:rPr lang="en-US" altLang="zh-CN" sz="1400" dirty="0" err="1" smtClean="0"/>
@@ -14468,7 +14448,7 @@
             </a:r>
             <a:r>
               <a:rPr lang="zh-CN" altLang="en-US" sz="1400" dirty="0" smtClean="0"/>
-              <a:t>返回计算完成信息。同时将计算结果写回</a:t>
+              <a:t>中取出计算任务，然后从</a:t>
             </a:r>
             <a:r>
               <a:rPr lang="en-US" altLang="zh-CN" sz="1400" dirty="0" smtClean="0"/>
@@ -14476,8 +14456,57 @@
             </a:r>
             <a:r>
               <a:rPr lang="zh-CN" altLang="en-US" sz="1400" dirty="0" smtClean="0"/>
+              <a:t>读入</a:t>
+            </a:r>
+            <a:r>
+              <a:rPr lang="zh-CN" altLang="en-US" sz="1400" dirty="0" smtClean="0"/>
+              <a:t>数据。</a:t>
+            </a:r>
+            <a:endParaRPr lang="en-US" altLang="zh-CN" sz="1400" dirty="0" smtClean="0"/>
+          </a:p>
+          <a:p>
+            <a:pPr marL="342900" indent="-342900">
+              <a:buFont typeface="+mj-lt"/>
+              <a:buAutoNum type="arabicPeriod"/>
+            </a:pPr>
+            <a:endParaRPr lang="en-US" altLang="zh-CN" sz="1400" dirty="0" smtClean="0"/>
+          </a:p>
+          <a:p>
+            <a:pPr marL="342900" indent="-342900">
+              <a:buFont typeface="+mj-lt"/>
+              <a:buAutoNum type="arabicPeriod"/>
+            </a:pPr>
+            <a:r>
+              <a:rPr lang="en-US" altLang="zh-CN" sz="1400" dirty="0" smtClean="0"/>
+              <a:t>Spark</a:t>
+            </a:r>
+            <a:r>
+              <a:rPr lang="zh-CN" altLang="en-US" sz="1400" dirty="0" smtClean="0"/>
+              <a:t>计算结束后会向</a:t>
+            </a:r>
+            <a:r>
+              <a:rPr lang="en-US" altLang="zh-CN" sz="1400" dirty="0" err="1" smtClean="0"/>
+              <a:t>RabbitMQ</a:t>
+            </a:r>
+            <a:r>
+              <a:rPr lang="zh-CN" altLang="en-US" sz="1400" dirty="0" smtClean="0"/>
+              <a:t>返回计算完成信息。同时将计算结果写回</a:t>
+            </a:r>
+            <a:r>
+              <a:rPr lang="en-US" altLang="zh-CN" sz="1400" dirty="0" smtClean="0"/>
+              <a:t>HDFS</a:t>
+            </a:r>
+            <a:r>
+              <a:rPr lang="zh-CN" altLang="en-US" sz="1400" dirty="0" smtClean="0"/>
               <a:t>。</a:t>
             </a:r>
+            <a:endParaRPr lang="en-US" altLang="zh-CN" sz="1400" dirty="0" smtClean="0"/>
+          </a:p>
+          <a:p>
+            <a:pPr marL="342900" indent="-342900">
+              <a:buFont typeface="+mj-lt"/>
+              <a:buAutoNum type="arabicPeriod"/>
+            </a:pPr>
             <a:endParaRPr lang="en-US" altLang="zh-CN" sz="1400" dirty="0" smtClean="0"/>
           </a:p>
           <a:p>
@@ -15085,7 +15114,7 @@
         <p:spPr>
           <a:xfrm>
             <a:off x="8826500" y="1765300"/>
-            <a:ext cx="2946400" cy="1815882"/>
+            <a:ext cx="2946400" cy="2462213"/>
           </a:xfrm>
           <a:prstGeom prst="rect">
             <a:avLst/>
@@ -15129,18 +15158,6 @@
               <a:buFont typeface="+mj-lt"/>
               <a:buAutoNum type="arabicPeriod"/>
             </a:pPr>
-            <a:r>
-              <a:rPr lang="zh-CN" altLang="en-US" sz="1400" dirty="0" smtClean="0"/>
-              <a:t>每个</a:t>
-            </a:r>
-            <a:r>
-              <a:rPr lang="en-US" altLang="zh-CN" sz="1400" dirty="0" smtClean="0"/>
-              <a:t>Worker</a:t>
-            </a:r>
-            <a:r>
-              <a:rPr lang="zh-CN" altLang="en-US" sz="1400" dirty="0" smtClean="0"/>
-              <a:t>存储着大图分割后的子图在本机上</a:t>
-            </a:r>
             <a:endParaRPr lang="en-US" altLang="zh-CN" sz="1400" dirty="0" smtClean="0"/>
           </a:p>
           <a:p>
@@ -15149,6 +15166,44 @@
               <a:buAutoNum type="arabicPeriod"/>
             </a:pPr>
             <a:r>
+              <a:rPr lang="zh-CN" altLang="en-US" sz="1400" dirty="0" smtClean="0"/>
+              <a:t>每个</a:t>
+            </a:r>
+            <a:r>
+              <a:rPr lang="en-US" altLang="zh-CN" sz="1400" dirty="0" smtClean="0"/>
+              <a:t>Worker</a:t>
+            </a:r>
+            <a:r>
+              <a:rPr lang="zh-CN" altLang="en-US" sz="1400" dirty="0" smtClean="0"/>
+              <a:t>存储着</a:t>
+            </a:r>
+            <a:r>
+              <a:rPr lang="zh-CN" altLang="en-US" sz="1400" dirty="0" smtClean="0"/>
+              <a:t>大图</a:t>
+            </a:r>
+            <a:r>
+              <a:rPr lang="zh-CN" altLang="en-US" sz="1400" dirty="0" smtClean="0"/>
+              <a:t>分割后的子图在本机</a:t>
+            </a:r>
+            <a:r>
+              <a:rPr lang="zh-CN" altLang="en-US" sz="1400" dirty="0" smtClean="0"/>
+              <a:t>上</a:t>
+            </a:r>
+            <a:endParaRPr lang="en-US" altLang="zh-CN" sz="1400" dirty="0" smtClean="0"/>
+          </a:p>
+          <a:p>
+            <a:pPr marL="342900" indent="-342900">
+              <a:buFont typeface="+mj-lt"/>
+              <a:buAutoNum type="arabicPeriod"/>
+            </a:pPr>
+            <a:endParaRPr lang="en-US" altLang="zh-CN" sz="1400" dirty="0" smtClean="0"/>
+          </a:p>
+          <a:p>
+            <a:pPr marL="342900" indent="-342900">
+              <a:buFont typeface="+mj-lt"/>
+              <a:buAutoNum type="arabicPeriod"/>
+            </a:pPr>
+            <a:r>
               <a:rPr lang="zh-CN" altLang="en-US" sz="1400" dirty="0"/>
               <a:t>计算</a:t>
             </a:r>
@@ -15162,8 +15217,19 @@
             </a:r>
             <a:r>
               <a:rPr lang="zh-CN" altLang="en-US" sz="1400" dirty="0" smtClean="0"/>
-              <a:t>会先各自进行本地计算</a:t>
-            </a:r>
+              <a:t>会先各自进行本地</a:t>
+            </a:r>
+            <a:r>
+              <a:rPr lang="zh-CN" altLang="en-US" sz="1400" dirty="0" smtClean="0"/>
+              <a:t>计算</a:t>
+            </a:r>
+            <a:endParaRPr lang="en-US" altLang="zh-CN" sz="1400" dirty="0" smtClean="0"/>
+          </a:p>
+          <a:p>
+            <a:pPr marL="342900" indent="-342900">
+              <a:buFont typeface="+mj-lt"/>
+              <a:buAutoNum type="arabicPeriod"/>
+            </a:pPr>
             <a:endParaRPr lang="en-US" altLang="zh-CN" sz="1400" dirty="0" smtClean="0"/>
           </a:p>
           <a:p>
@@ -17245,7 +17311,7 @@
         <p:spPr>
           <a:xfrm>
             <a:off x="8204200" y="2197100"/>
-            <a:ext cx="3441700" cy="2092881"/>
+            <a:ext cx="3441700" cy="2523768"/>
           </a:xfrm>
           <a:prstGeom prst="rect">
             <a:avLst/>
@@ -17268,7 +17334,11 @@
             </a:r>
             <a:r>
               <a:rPr lang="zh-CN" altLang="en-US" sz="1400" dirty="0" smtClean="0"/>
-              <a:t>式计算，一般是从两个图快照之间的差异部分开始触发。</a:t>
+              <a:t>式计算，一般是从两个图快照之间的差异部分开始触发</a:t>
+            </a:r>
+            <a:r>
+              <a:rPr lang="zh-CN" altLang="en-US" sz="1400" dirty="0" smtClean="0"/>
+              <a:t>。</a:t>
             </a:r>
             <a:endParaRPr lang="en-US" altLang="zh-CN" sz="1400" dirty="0" smtClean="0"/>
           </a:p>
@@ -17277,14 +17347,32 @@
               <a:buFont typeface="+mj-lt"/>
               <a:buAutoNum type="arabicPeriod"/>
             </a:pPr>
+            <a:endParaRPr lang="en-US" altLang="zh-CN" sz="1400" dirty="0" smtClean="0"/>
+          </a:p>
+          <a:p>
+            <a:pPr marL="342900" indent="-342900">
+              <a:buFont typeface="+mj-lt"/>
+              <a:buAutoNum type="arabicPeriod"/>
+            </a:pPr>
             <a:r>
               <a:rPr lang="zh-CN" altLang="en-US" sz="1400" dirty="0"/>
               <a:t>差异</a:t>
             </a:r>
             <a:r>
               <a:rPr lang="zh-CN" altLang="en-US" sz="1400" dirty="0" smtClean="0"/>
-              <a:t>化更新，发生改变（新增的）的节点往往和图中未改变的（原有的）节点更新方式不一样。</a:t>
-            </a:r>
+              <a:t>化更新，发生改变（新增的）的节点往往和图中未改变的（原有的）节点更新方式不一样</a:t>
+            </a:r>
+            <a:r>
+              <a:rPr lang="zh-CN" altLang="en-US" sz="1400" dirty="0" smtClean="0"/>
+              <a:t>。</a:t>
+            </a:r>
+            <a:endParaRPr lang="en-US" altLang="zh-CN" sz="1400" dirty="0" smtClean="0"/>
+          </a:p>
+          <a:p>
+            <a:pPr marL="342900" indent="-342900">
+              <a:buFont typeface="+mj-lt"/>
+              <a:buAutoNum type="arabicPeriod"/>
+            </a:pPr>
             <a:endParaRPr lang="en-US" altLang="zh-CN" sz="1400" dirty="0" smtClean="0"/>
           </a:p>
           <a:p>
@@ -17844,8 +17932,8 @@
           </a:p>
         </p:txBody>
       </p:sp>
-      <mc:AlternateContent xmlns:mc="http://schemas.openxmlformats.org/markup-compatibility/2006">
-        <mc:Choice xmlns:a14="http://schemas.microsoft.com/office/drawing/2010/main" Requires="a14">
+      <mc:AlternateContent xmlns:mc="http://schemas.openxmlformats.org/markup-compatibility/2006" xmlns:a14="http://schemas.microsoft.com/office/drawing/2010/main">
+        <mc:Choice Requires="a14">
           <p:sp>
             <p:nvSpPr>
               <p:cNvPr id="6" name="文本框 5"/>
@@ -18902,7 +18990,7 @@
             </p:txBody>
           </p:sp>
         </mc:Choice>
-        <mc:Fallback>
+        <mc:Fallback xmlns="">
           <p:sp>
             <p:nvSpPr>
               <p:cNvPr id="6" name="文本框 5"/>
@@ -19876,14 +19964,14 @@
           <p:nvPr>
             <p:extLst>
               <p:ext uri="{D42A27DB-BD31-4B8C-83A1-F6EECF244321}">
-                <p14:modId xmlns:p14="http://schemas.microsoft.com/office/powerpoint/2010/main" val="2188400335"/>
+                <p14:modId xmlns:p14="http://schemas.microsoft.com/office/powerpoint/2010/main" val="4054649281"/>
               </p:ext>
             </p:extLst>
           </p:nvPr>
         </p:nvGraphicFramePr>
         <p:xfrm>
           <a:off x="1219198" y="2220036"/>
-          <a:ext cx="8714510" cy="2186865"/>
+          <a:ext cx="9194802" cy="2186865"/>
         </p:xfrm>
         <a:graphic>
           <a:graphicData uri="http://schemas.openxmlformats.org/drawingml/2006/table">
@@ -19892,28 +19980,28 @@
                 <a:tableStyleId>{5C22544A-7EE6-4342-B048-85BDC9FD1C3A}</a:tableStyleId>
               </a:tblPr>
               <a:tblGrid>
-                <a:gridCol w="2178102">
+                <a:gridCol w="2298146">
                   <a:extLst>
                     <a:ext uri="{9D8B030D-6E8A-4147-A177-3AD203B41FA5}">
                       <a16:colId xmlns:a16="http://schemas.microsoft.com/office/drawing/2014/main" val="2772691253"/>
                     </a:ext>
                   </a:extLst>
                 </a:gridCol>
-                <a:gridCol w="2178102">
+                <a:gridCol w="2298146">
                   <a:extLst>
                     <a:ext uri="{9D8B030D-6E8A-4147-A177-3AD203B41FA5}">
                       <a16:colId xmlns:a16="http://schemas.microsoft.com/office/drawing/2014/main" val="3211520111"/>
                     </a:ext>
                   </a:extLst>
                 </a:gridCol>
-                <a:gridCol w="2179153">
+                <a:gridCol w="2299255">
                   <a:extLst>
                     <a:ext uri="{9D8B030D-6E8A-4147-A177-3AD203B41FA5}">
                       <a16:colId xmlns:a16="http://schemas.microsoft.com/office/drawing/2014/main" val="609411042"/>
                     </a:ext>
                   </a:extLst>
                 </a:gridCol>
-                <a:gridCol w="2179153">
+                <a:gridCol w="2299255">
                   <a:extLst>
                     <a:ext uri="{9D8B030D-6E8A-4147-A177-3AD203B41FA5}">
                       <a16:colId xmlns:a16="http://schemas.microsoft.com/office/drawing/2014/main" val="3200839168"/>
@@ -20910,11 +20998,7 @@
             </a:pPr>
             <a:r>
               <a:rPr lang="en-US" altLang="zh-CN" sz="1400" dirty="0" smtClean="0"/>
-              <a:t>12</a:t>
-            </a:r>
-            <a:r>
-              <a:rPr lang="en-US" altLang="zh-CN" sz="1400" dirty="0" smtClean="0"/>
-              <a:t>%</a:t>
+              <a:t>12%</a:t>
             </a:r>
             <a:r>
               <a:rPr lang="zh-CN" altLang="en-US" sz="1400" dirty="0" smtClean="0"/>
@@ -30638,14 +30722,7 @@
                     <a:latin typeface="微软雅黑" charset="0"/>
                     <a:ea typeface="微软雅黑" charset="0"/>
                   </a:rPr>
-                  <a:t>本文</a:t>
-                </a:r>
-                <a:r>
-                  <a:rPr lang="zh-CN" altLang="en-US" sz="1400" dirty="0" smtClean="0">
-                    <a:latin typeface="微软雅黑" charset="0"/>
-                    <a:ea typeface="微软雅黑" charset="0"/>
-                  </a:rPr>
-                  <a:t>设计实现了一个支持时序存储的图数据库（</a:t>
+                  <a:t>本文设计实现了一个支持时序存储的图数据库（</a:t>
                 </a:r>
                 <a:r>
                   <a:rPr lang="en-US" altLang="zh-CN" sz="1400" dirty="0" err="1" smtClean="0">
@@ -31032,14 +31109,7 @@
                   <a:latin typeface="微软雅黑" charset="0"/>
                   <a:ea typeface="微软雅黑" charset="0"/>
                 </a:rPr>
-                <a:t>算法</a:t>
-              </a:r>
-              <a:r>
-                <a:rPr lang="zh-CN" altLang="en-US" sz="1400" dirty="0" smtClean="0">
-                  <a:latin typeface="微软雅黑" charset="0"/>
-                  <a:ea typeface="微软雅黑" charset="0"/>
-                </a:rPr>
-                <a:t>的动态实现等。</a:t>
+                <a:t>算法的动态实现等。</a:t>
               </a:r>
               <a:endParaRPr lang="zh-CN" altLang="en-US" sz="1400" dirty="0">
                 <a:latin typeface="微软雅黑" charset="0"/>
